--- a/Presentations/OpenPlaza - Phase 3.pptx
+++ b/Presentations/OpenPlaza - Phase 3.pptx
@@ -5,23 +5,28 @@
     <p:sldMasterId id="2147483747" r:id="rId4"/>
   </p:sldMasterIdLst>
   <p:notesMasterIdLst>
-    <p:notesMasterId r:id="rId16"/>
+    <p:notesMasterId r:id="rId21"/>
   </p:notesMasterIdLst>
   <p:handoutMasterIdLst>
-    <p:handoutMasterId r:id="rId17"/>
+    <p:handoutMasterId r:id="rId22"/>
   </p:handoutMasterIdLst>
   <p:sldIdLst>
     <p:sldId id="296" r:id="rId5"/>
     <p:sldId id="329" r:id="rId6"/>
-    <p:sldId id="319" r:id="rId7"/>
-    <p:sldId id="325" r:id="rId8"/>
-    <p:sldId id="327" r:id="rId9"/>
-    <p:sldId id="332" r:id="rId10"/>
-    <p:sldId id="333" r:id="rId11"/>
-    <p:sldId id="330" r:id="rId12"/>
-    <p:sldId id="331" r:id="rId13"/>
-    <p:sldId id="328" r:id="rId14"/>
-    <p:sldId id="321" r:id="rId15"/>
+    <p:sldId id="334" r:id="rId7"/>
+    <p:sldId id="335" r:id="rId8"/>
+    <p:sldId id="333" r:id="rId9"/>
+    <p:sldId id="338" r:id="rId10"/>
+    <p:sldId id="337" r:id="rId11"/>
+    <p:sldId id="339" r:id="rId12"/>
+    <p:sldId id="340" r:id="rId13"/>
+    <p:sldId id="342" r:id="rId14"/>
+    <p:sldId id="341" r:id="rId15"/>
+    <p:sldId id="343" r:id="rId16"/>
+    <p:sldId id="344" r:id="rId17"/>
+    <p:sldId id="336" r:id="rId18"/>
+    <p:sldId id="328" r:id="rId19"/>
+    <p:sldId id="321" r:id="rId20"/>
   </p:sldIdLst>
   <p:sldSz cx="12192000" cy="6858000"/>
   <p:notesSz cx="6858000" cy="9144000"/>
@@ -8392,6 +8397,740 @@
         <p:cNvPr id="1" name="">
           <a:extLst>
             <a:ext uri="{FF2B5EF4-FFF2-40B4-BE49-F238E27FC236}">
+              <a16:creationId xmlns:a16="http://schemas.microsoft.com/office/drawing/2014/main" id="{105B217C-B150-6441-827E-45C5DAEE2D4F}"/>
+            </a:ext>
+          </a:extLst>
+        </p:cNvPr>
+        <p:cNvGrpSpPr/>
+        <p:nvPr/>
+      </p:nvGrpSpPr>
+      <p:grpSpPr>
+        <a:xfrm>
+          <a:off x="0" y="0"/>
+          <a:ext cx="0" cy="0"/>
+          <a:chOff x="0" y="0"/>
+          <a:chExt cx="0" cy="0"/>
+        </a:xfrm>
+      </p:grpSpPr>
+      <p:sp>
+        <p:nvSpPr>
+          <p:cNvPr id="2" name="Title 1">
+            <a:extLst>
+              <a:ext uri="{FF2B5EF4-FFF2-40B4-BE49-F238E27FC236}">
+                <a16:creationId xmlns:a16="http://schemas.microsoft.com/office/drawing/2014/main" id="{D4523667-20C3-D5B2-E59C-C54D505E77F5}"/>
+              </a:ext>
+            </a:extLst>
+          </p:cNvPr>
+          <p:cNvSpPr>
+            <a:spLocks noGrp="1"/>
+          </p:cNvSpPr>
+          <p:nvPr>
+            <p:ph type="title"/>
+          </p:nvPr>
+        </p:nvSpPr>
+        <p:spPr/>
+        <p:txBody>
+          <a:bodyPr/>
+          <a:lstStyle/>
+          <a:p>
+            <a:r>
+              <a:rPr lang="en-US" dirty="0"/>
+              <a:t>Admin Profile - products table</a:t>
+            </a:r>
+          </a:p>
+        </p:txBody>
+      </p:sp>
+      <p:sp>
+        <p:nvSpPr>
+          <p:cNvPr id="3" name="Content Placeholder 2">
+            <a:extLst>
+              <a:ext uri="{FF2B5EF4-FFF2-40B4-BE49-F238E27FC236}">
+                <a16:creationId xmlns:a16="http://schemas.microsoft.com/office/drawing/2014/main" id="{A0034344-D249-56CE-BB22-F579BB99F293}"/>
+              </a:ext>
+            </a:extLst>
+          </p:cNvPr>
+          <p:cNvSpPr>
+            <a:spLocks noGrp="1"/>
+          </p:cNvSpPr>
+          <p:nvPr>
+            <p:ph idx="13"/>
+          </p:nvPr>
+        </p:nvSpPr>
+        <p:spPr>
+          <a:xfrm>
+            <a:off x="975360" y="2079371"/>
+            <a:ext cx="10116615" cy="3776596"/>
+          </a:xfrm>
+        </p:spPr>
+        <p:txBody>
+          <a:bodyPr/>
+          <a:lstStyle/>
+          <a:p>
+            <a:endParaRPr lang="en-US" sz="2400" dirty="0"/>
+          </a:p>
+          <a:p>
+            <a:pPr marL="342900" indent="-342900">
+              <a:buFont typeface="Arial" panose="020B0604020202020204" pitchFamily="34" charset="0"/>
+              <a:buChar char="•"/>
+            </a:pPr>
+            <a:endParaRPr lang="en-US" dirty="0"/>
+          </a:p>
+          <a:p>
+            <a:pPr marL="342900" indent="-342900">
+              <a:buFont typeface="Arial" panose="020B0604020202020204" pitchFamily="34" charset="0"/>
+              <a:buChar char="•"/>
+            </a:pPr>
+            <a:endParaRPr lang="en-US" dirty="0"/>
+          </a:p>
+        </p:txBody>
+      </p:sp>
+      <p:pic>
+        <p:nvPicPr>
+          <p:cNvPr id="6" name="Picture 5" descr="A screenshot of a profile&#10;&#10;AI-generated content may be incorrect.">
+            <a:extLst>
+              <a:ext uri="{FF2B5EF4-FFF2-40B4-BE49-F238E27FC236}">
+                <a16:creationId xmlns:a16="http://schemas.microsoft.com/office/drawing/2014/main" id="{AF269139-48E0-9EA2-4834-4B99AA826A51}"/>
+              </a:ext>
+            </a:extLst>
+          </p:cNvPr>
+          <p:cNvPicPr>
+            <a:picLocks noChangeAspect="1"/>
+          </p:cNvPicPr>
+          <p:nvPr/>
+        </p:nvPicPr>
+        <p:blipFill>
+          <a:blip r:embed="rId2"/>
+          <a:stretch>
+            <a:fillRect/>
+          </a:stretch>
+        </p:blipFill>
+        <p:spPr>
+          <a:xfrm>
+            <a:off x="1100025" y="1730377"/>
+            <a:ext cx="10116616" cy="4248767"/>
+          </a:xfrm>
+          <a:prstGeom prst="rect">
+            <a:avLst/>
+          </a:prstGeom>
+        </p:spPr>
+      </p:pic>
+    </p:spTree>
+    <p:extLst>
+      <p:ext uri="{BB962C8B-B14F-4D97-AF65-F5344CB8AC3E}">
+        <p14:creationId xmlns:p14="http://schemas.microsoft.com/office/powerpoint/2010/main" val="4261736855"/>
+      </p:ext>
+    </p:extLst>
+  </p:cSld>
+  <p:clrMapOvr>
+    <a:masterClrMapping/>
+  </p:clrMapOvr>
+</p:sld>
+</file>
+
+<file path=ppt/slides/slide11.xml><?xml version="1.0" encoding="utf-8"?>
+<p:sld xmlns:a="http://schemas.openxmlformats.org/drawingml/2006/main" xmlns:r="http://schemas.openxmlformats.org/officeDocument/2006/relationships" xmlns:p="http://schemas.openxmlformats.org/presentationml/2006/main">
+  <p:cSld>
+    <p:spTree>
+      <p:nvGrpSpPr>
+        <p:cNvPr id="1" name="">
+          <a:extLst>
+            <a:ext uri="{FF2B5EF4-FFF2-40B4-BE49-F238E27FC236}">
+              <a16:creationId xmlns:a16="http://schemas.microsoft.com/office/drawing/2014/main" id="{3E830DC0-4867-4C8D-7D31-CEC634329B69}"/>
+            </a:ext>
+          </a:extLst>
+        </p:cNvPr>
+        <p:cNvGrpSpPr/>
+        <p:nvPr/>
+      </p:nvGrpSpPr>
+      <p:grpSpPr>
+        <a:xfrm>
+          <a:off x="0" y="0"/>
+          <a:ext cx="0" cy="0"/>
+          <a:chOff x="0" y="0"/>
+          <a:chExt cx="0" cy="0"/>
+        </a:xfrm>
+      </p:grpSpPr>
+      <p:sp>
+        <p:nvSpPr>
+          <p:cNvPr id="2" name="Title 1">
+            <a:extLst>
+              <a:ext uri="{FF2B5EF4-FFF2-40B4-BE49-F238E27FC236}">
+                <a16:creationId xmlns:a16="http://schemas.microsoft.com/office/drawing/2014/main" id="{D27B5262-3174-8780-183F-666B652F3BC9}"/>
+              </a:ext>
+            </a:extLst>
+          </p:cNvPr>
+          <p:cNvSpPr>
+            <a:spLocks noGrp="1"/>
+          </p:cNvSpPr>
+          <p:nvPr>
+            <p:ph type="title"/>
+          </p:nvPr>
+        </p:nvSpPr>
+        <p:spPr/>
+        <p:txBody>
+          <a:bodyPr/>
+          <a:lstStyle/>
+          <a:p>
+            <a:r>
+              <a:rPr lang="en-US" dirty="0"/>
+              <a:t>Admin profile – users table</a:t>
+            </a:r>
+          </a:p>
+        </p:txBody>
+      </p:sp>
+      <p:sp>
+        <p:nvSpPr>
+          <p:cNvPr id="3" name="Content Placeholder 2">
+            <a:extLst>
+              <a:ext uri="{FF2B5EF4-FFF2-40B4-BE49-F238E27FC236}">
+                <a16:creationId xmlns:a16="http://schemas.microsoft.com/office/drawing/2014/main" id="{19399A05-E9E0-C5F8-9D93-820EC5C5BD73}"/>
+              </a:ext>
+            </a:extLst>
+          </p:cNvPr>
+          <p:cNvSpPr>
+            <a:spLocks noGrp="1"/>
+          </p:cNvSpPr>
+          <p:nvPr>
+            <p:ph idx="13"/>
+          </p:nvPr>
+        </p:nvSpPr>
+        <p:spPr>
+          <a:xfrm>
+            <a:off x="975360" y="2079371"/>
+            <a:ext cx="10116615" cy="3776596"/>
+          </a:xfrm>
+        </p:spPr>
+        <p:txBody>
+          <a:bodyPr/>
+          <a:lstStyle/>
+          <a:p>
+            <a:endParaRPr lang="en-US" sz="2400" dirty="0"/>
+          </a:p>
+          <a:p>
+            <a:pPr marL="342900" indent="-342900">
+              <a:buFont typeface="Arial" panose="020B0604020202020204" pitchFamily="34" charset="0"/>
+              <a:buChar char="•"/>
+            </a:pPr>
+            <a:endParaRPr lang="en-US" dirty="0"/>
+          </a:p>
+          <a:p>
+            <a:pPr marL="342900" indent="-342900">
+              <a:buFont typeface="Arial" panose="020B0604020202020204" pitchFamily="34" charset="0"/>
+              <a:buChar char="•"/>
+            </a:pPr>
+            <a:endParaRPr lang="en-US" dirty="0"/>
+          </a:p>
+        </p:txBody>
+      </p:sp>
+      <p:pic>
+        <p:nvPicPr>
+          <p:cNvPr id="5" name="Picture 4" descr="A screenshot of a computer&#10;&#10;AI-generated content may be incorrect.">
+            <a:extLst>
+              <a:ext uri="{FF2B5EF4-FFF2-40B4-BE49-F238E27FC236}">
+                <a16:creationId xmlns:a16="http://schemas.microsoft.com/office/drawing/2014/main" id="{76DE426A-019E-8F37-868F-1F5D6637DC5E}"/>
+              </a:ext>
+            </a:extLst>
+          </p:cNvPr>
+          <p:cNvPicPr>
+            <a:picLocks noChangeAspect="1"/>
+          </p:cNvPicPr>
+          <p:nvPr/>
+        </p:nvPicPr>
+        <p:blipFill>
+          <a:blip r:embed="rId2"/>
+          <a:stretch>
+            <a:fillRect/>
+          </a:stretch>
+        </p:blipFill>
+        <p:spPr>
+          <a:xfrm>
+            <a:off x="869182" y="1701343"/>
+            <a:ext cx="10453635" cy="4532652"/>
+          </a:xfrm>
+          <a:prstGeom prst="rect">
+            <a:avLst/>
+          </a:prstGeom>
+        </p:spPr>
+      </p:pic>
+    </p:spTree>
+    <p:extLst>
+      <p:ext uri="{BB962C8B-B14F-4D97-AF65-F5344CB8AC3E}">
+        <p14:creationId xmlns:p14="http://schemas.microsoft.com/office/powerpoint/2010/main" val="3480326425"/>
+      </p:ext>
+    </p:extLst>
+  </p:cSld>
+  <p:clrMapOvr>
+    <a:masterClrMapping/>
+  </p:clrMapOvr>
+</p:sld>
+</file>
+
+<file path=ppt/slides/slide12.xml><?xml version="1.0" encoding="utf-8"?>
+<p:sld xmlns:a="http://schemas.openxmlformats.org/drawingml/2006/main" xmlns:r="http://schemas.openxmlformats.org/officeDocument/2006/relationships" xmlns:p="http://schemas.openxmlformats.org/presentationml/2006/main">
+  <p:cSld>
+    <p:spTree>
+      <p:nvGrpSpPr>
+        <p:cNvPr id="1" name="">
+          <a:extLst>
+            <a:ext uri="{FF2B5EF4-FFF2-40B4-BE49-F238E27FC236}">
+              <a16:creationId xmlns:a16="http://schemas.microsoft.com/office/drawing/2014/main" id="{18FBCFE1-C045-24DA-AC37-3D5980B1F739}"/>
+            </a:ext>
+          </a:extLst>
+        </p:cNvPr>
+        <p:cNvGrpSpPr/>
+        <p:nvPr/>
+      </p:nvGrpSpPr>
+      <p:grpSpPr>
+        <a:xfrm>
+          <a:off x="0" y="0"/>
+          <a:ext cx="0" cy="0"/>
+          <a:chOff x="0" y="0"/>
+          <a:chExt cx="0" cy="0"/>
+        </a:xfrm>
+      </p:grpSpPr>
+      <p:sp>
+        <p:nvSpPr>
+          <p:cNvPr id="2" name="Title 1">
+            <a:extLst>
+              <a:ext uri="{FF2B5EF4-FFF2-40B4-BE49-F238E27FC236}">
+                <a16:creationId xmlns:a16="http://schemas.microsoft.com/office/drawing/2014/main" id="{D79B71EB-12B8-F71F-EA63-6F665C0EB646}"/>
+              </a:ext>
+            </a:extLst>
+          </p:cNvPr>
+          <p:cNvSpPr>
+            <a:spLocks noGrp="1"/>
+          </p:cNvSpPr>
+          <p:nvPr>
+            <p:ph type="title"/>
+          </p:nvPr>
+        </p:nvSpPr>
+        <p:spPr/>
+        <p:txBody>
+          <a:bodyPr/>
+          <a:lstStyle/>
+          <a:p>
+            <a:r>
+              <a:rPr lang="en-US" dirty="0"/>
+              <a:t>Admin profile – transactions table</a:t>
+            </a:r>
+          </a:p>
+        </p:txBody>
+      </p:sp>
+      <p:sp>
+        <p:nvSpPr>
+          <p:cNvPr id="3" name="Content Placeholder 2">
+            <a:extLst>
+              <a:ext uri="{FF2B5EF4-FFF2-40B4-BE49-F238E27FC236}">
+                <a16:creationId xmlns:a16="http://schemas.microsoft.com/office/drawing/2014/main" id="{43EE2299-5612-5F31-939E-F0ABF334C2DD}"/>
+              </a:ext>
+            </a:extLst>
+          </p:cNvPr>
+          <p:cNvSpPr>
+            <a:spLocks noGrp="1"/>
+          </p:cNvSpPr>
+          <p:nvPr>
+            <p:ph idx="13"/>
+          </p:nvPr>
+        </p:nvSpPr>
+        <p:spPr>
+          <a:xfrm>
+            <a:off x="975360" y="2079371"/>
+            <a:ext cx="10116615" cy="3776596"/>
+          </a:xfrm>
+        </p:spPr>
+        <p:txBody>
+          <a:bodyPr/>
+          <a:lstStyle/>
+          <a:p>
+            <a:endParaRPr lang="en-US" sz="2400" dirty="0"/>
+          </a:p>
+          <a:p>
+            <a:pPr marL="342900" indent="-342900">
+              <a:buFont typeface="Arial" panose="020B0604020202020204" pitchFamily="34" charset="0"/>
+              <a:buChar char="•"/>
+            </a:pPr>
+            <a:endParaRPr lang="en-US" dirty="0"/>
+          </a:p>
+          <a:p>
+            <a:pPr marL="342900" indent="-342900">
+              <a:buFont typeface="Arial" panose="020B0604020202020204" pitchFamily="34" charset="0"/>
+              <a:buChar char="•"/>
+            </a:pPr>
+            <a:endParaRPr lang="en-US" dirty="0"/>
+          </a:p>
+        </p:txBody>
+      </p:sp>
+      <p:pic>
+        <p:nvPicPr>
+          <p:cNvPr id="6" name="Picture 5" descr="A screenshot of a computer&#10;&#10;AI-generated content may be incorrect.">
+            <a:extLst>
+              <a:ext uri="{FF2B5EF4-FFF2-40B4-BE49-F238E27FC236}">
+                <a16:creationId xmlns:a16="http://schemas.microsoft.com/office/drawing/2014/main" id="{DF7DA3E5-46F0-3B59-9E5E-F762CEDBE21D}"/>
+              </a:ext>
+            </a:extLst>
+          </p:cNvPr>
+          <p:cNvPicPr>
+            <a:picLocks noChangeAspect="1"/>
+          </p:cNvPicPr>
+          <p:nvPr/>
+        </p:nvPicPr>
+        <p:blipFill>
+          <a:blip r:embed="rId2"/>
+          <a:stretch>
+            <a:fillRect/>
+          </a:stretch>
+        </p:blipFill>
+        <p:spPr>
+          <a:xfrm>
+            <a:off x="758650" y="2294912"/>
+            <a:ext cx="10674699" cy="2878257"/>
+          </a:xfrm>
+          <a:prstGeom prst="rect">
+            <a:avLst/>
+          </a:prstGeom>
+        </p:spPr>
+      </p:pic>
+    </p:spTree>
+    <p:extLst>
+      <p:ext uri="{BB962C8B-B14F-4D97-AF65-F5344CB8AC3E}">
+        <p14:creationId xmlns:p14="http://schemas.microsoft.com/office/powerpoint/2010/main" val="4281000130"/>
+      </p:ext>
+    </p:extLst>
+  </p:cSld>
+  <p:clrMapOvr>
+    <a:masterClrMapping/>
+  </p:clrMapOvr>
+</p:sld>
+</file>
+
+<file path=ppt/slides/slide13.xml><?xml version="1.0" encoding="utf-8"?>
+<p:sld xmlns:a="http://schemas.openxmlformats.org/drawingml/2006/main" xmlns:r="http://schemas.openxmlformats.org/officeDocument/2006/relationships" xmlns:p="http://schemas.openxmlformats.org/presentationml/2006/main">
+  <p:cSld>
+    <p:spTree>
+      <p:nvGrpSpPr>
+        <p:cNvPr id="1" name="">
+          <a:extLst>
+            <a:ext uri="{FF2B5EF4-FFF2-40B4-BE49-F238E27FC236}">
+              <a16:creationId xmlns:a16="http://schemas.microsoft.com/office/drawing/2014/main" id="{05F4409B-6E8C-9B43-411F-BD8F85A8DDA4}"/>
+            </a:ext>
+          </a:extLst>
+        </p:cNvPr>
+        <p:cNvGrpSpPr/>
+        <p:nvPr/>
+      </p:nvGrpSpPr>
+      <p:grpSpPr>
+        <a:xfrm>
+          <a:off x="0" y="0"/>
+          <a:ext cx="0" cy="0"/>
+          <a:chOff x="0" y="0"/>
+          <a:chExt cx="0" cy="0"/>
+        </a:xfrm>
+      </p:grpSpPr>
+      <p:sp>
+        <p:nvSpPr>
+          <p:cNvPr id="2" name="Title 1">
+            <a:extLst>
+              <a:ext uri="{FF2B5EF4-FFF2-40B4-BE49-F238E27FC236}">
+                <a16:creationId xmlns:a16="http://schemas.microsoft.com/office/drawing/2014/main" id="{477C22BD-9EDB-3400-B3E1-6098368DC383}"/>
+              </a:ext>
+            </a:extLst>
+          </p:cNvPr>
+          <p:cNvSpPr>
+            <a:spLocks noGrp="1"/>
+          </p:cNvSpPr>
+          <p:nvPr>
+            <p:ph type="title"/>
+          </p:nvPr>
+        </p:nvSpPr>
+        <p:spPr/>
+        <p:txBody>
+          <a:bodyPr/>
+          <a:lstStyle/>
+          <a:p>
+            <a:r>
+              <a:rPr lang="en-US" dirty="0"/>
+              <a:t>Cart</a:t>
+            </a:r>
+          </a:p>
+        </p:txBody>
+      </p:sp>
+      <p:sp>
+        <p:nvSpPr>
+          <p:cNvPr id="3" name="Content Placeholder 2">
+            <a:extLst>
+              <a:ext uri="{FF2B5EF4-FFF2-40B4-BE49-F238E27FC236}">
+                <a16:creationId xmlns:a16="http://schemas.microsoft.com/office/drawing/2014/main" id="{8D1BD880-5BB9-CB1E-C0F8-C054A322CB30}"/>
+              </a:ext>
+            </a:extLst>
+          </p:cNvPr>
+          <p:cNvSpPr>
+            <a:spLocks noGrp="1"/>
+          </p:cNvSpPr>
+          <p:nvPr>
+            <p:ph idx="13"/>
+          </p:nvPr>
+        </p:nvSpPr>
+        <p:spPr>
+          <a:xfrm>
+            <a:off x="975360" y="2079371"/>
+            <a:ext cx="10116615" cy="3776596"/>
+          </a:xfrm>
+        </p:spPr>
+        <p:txBody>
+          <a:bodyPr/>
+          <a:lstStyle/>
+          <a:p>
+            <a:endParaRPr lang="en-US" sz="2400" dirty="0"/>
+          </a:p>
+          <a:p>
+            <a:pPr marL="342900" indent="-342900">
+              <a:buFont typeface="Arial" panose="020B0604020202020204" pitchFamily="34" charset="0"/>
+              <a:buChar char="•"/>
+            </a:pPr>
+            <a:endParaRPr lang="en-US" dirty="0"/>
+          </a:p>
+          <a:p>
+            <a:pPr marL="342900" indent="-342900">
+              <a:buFont typeface="Arial" panose="020B0604020202020204" pitchFamily="34" charset="0"/>
+              <a:buChar char="•"/>
+            </a:pPr>
+            <a:endParaRPr lang="en-US" dirty="0"/>
+          </a:p>
+        </p:txBody>
+      </p:sp>
+      <p:pic>
+        <p:nvPicPr>
+          <p:cNvPr id="5" name="Picture 4" descr="A screenshot of a computer&#10;&#10;AI-generated content may be incorrect.">
+            <a:extLst>
+              <a:ext uri="{FF2B5EF4-FFF2-40B4-BE49-F238E27FC236}">
+                <a16:creationId xmlns:a16="http://schemas.microsoft.com/office/drawing/2014/main" id="{F7294025-4569-83C9-2107-5B8B5FD4CFC5}"/>
+              </a:ext>
+            </a:extLst>
+          </p:cNvPr>
+          <p:cNvPicPr>
+            <a:picLocks noChangeAspect="1"/>
+          </p:cNvPicPr>
+          <p:nvPr/>
+        </p:nvPicPr>
+        <p:blipFill>
+          <a:blip r:embed="rId2"/>
+          <a:stretch>
+            <a:fillRect/>
+          </a:stretch>
+        </p:blipFill>
+        <p:spPr>
+          <a:xfrm>
+            <a:off x="2095176" y="159555"/>
+            <a:ext cx="7087438" cy="3084074"/>
+          </a:xfrm>
+          <a:prstGeom prst="rect">
+            <a:avLst/>
+          </a:prstGeom>
+        </p:spPr>
+      </p:pic>
+      <p:pic>
+        <p:nvPicPr>
+          <p:cNvPr id="8" name="Picture 7" descr="A screenshot of a phone&#10;&#10;AI-generated content may be incorrect.">
+            <a:extLst>
+              <a:ext uri="{FF2B5EF4-FFF2-40B4-BE49-F238E27FC236}">
+                <a16:creationId xmlns:a16="http://schemas.microsoft.com/office/drawing/2014/main" id="{4109B63D-A2D5-54A5-2A60-5B89BC918ED3}"/>
+              </a:ext>
+            </a:extLst>
+          </p:cNvPr>
+          <p:cNvPicPr>
+            <a:picLocks noChangeAspect="1"/>
+          </p:cNvPicPr>
+          <p:nvPr/>
+        </p:nvPicPr>
+        <p:blipFill>
+          <a:blip r:embed="rId3"/>
+          <a:stretch>
+            <a:fillRect/>
+          </a:stretch>
+        </p:blipFill>
+        <p:spPr>
+          <a:xfrm>
+            <a:off x="2095176" y="3352102"/>
+            <a:ext cx="7087437" cy="2982598"/>
+          </a:xfrm>
+          <a:prstGeom prst="rect">
+            <a:avLst/>
+          </a:prstGeom>
+        </p:spPr>
+      </p:pic>
+    </p:spTree>
+    <p:extLst>
+      <p:ext uri="{BB962C8B-B14F-4D97-AF65-F5344CB8AC3E}">
+        <p14:creationId xmlns:p14="http://schemas.microsoft.com/office/powerpoint/2010/main" val="2035235861"/>
+      </p:ext>
+    </p:extLst>
+  </p:cSld>
+  <p:clrMapOvr>
+    <a:masterClrMapping/>
+  </p:clrMapOvr>
+</p:sld>
+</file>
+
+<file path=ppt/slides/slide14.xml><?xml version="1.0" encoding="utf-8"?>
+<p:sld xmlns:a="http://schemas.openxmlformats.org/drawingml/2006/main" xmlns:r="http://schemas.openxmlformats.org/officeDocument/2006/relationships" xmlns:p="http://schemas.openxmlformats.org/presentationml/2006/main">
+  <p:cSld>
+    <p:spTree>
+      <p:nvGrpSpPr>
+        <p:cNvPr id="1" name="">
+          <a:extLst>
+            <a:ext uri="{FF2B5EF4-FFF2-40B4-BE49-F238E27FC236}">
+              <a16:creationId xmlns:a16="http://schemas.microsoft.com/office/drawing/2014/main" id="{EBB56B98-ED1D-91B0-F4CF-4BC01121C16F}"/>
+            </a:ext>
+          </a:extLst>
+        </p:cNvPr>
+        <p:cNvGrpSpPr/>
+        <p:nvPr/>
+      </p:nvGrpSpPr>
+      <p:grpSpPr>
+        <a:xfrm>
+          <a:off x="0" y="0"/>
+          <a:ext cx="0" cy="0"/>
+          <a:chOff x="0" y="0"/>
+          <a:chExt cx="0" cy="0"/>
+        </a:xfrm>
+      </p:grpSpPr>
+      <p:sp>
+        <p:nvSpPr>
+          <p:cNvPr id="2" name="Title 1">
+            <a:extLst>
+              <a:ext uri="{FF2B5EF4-FFF2-40B4-BE49-F238E27FC236}">
+                <a16:creationId xmlns:a16="http://schemas.microsoft.com/office/drawing/2014/main" id="{8529FCFE-CBDA-460F-A4FF-120DCE066F8F}"/>
+              </a:ext>
+            </a:extLst>
+          </p:cNvPr>
+          <p:cNvSpPr>
+            <a:spLocks noGrp="1"/>
+          </p:cNvSpPr>
+          <p:nvPr>
+            <p:ph type="title"/>
+          </p:nvPr>
+        </p:nvSpPr>
+        <p:spPr/>
+        <p:txBody>
+          <a:bodyPr/>
+          <a:lstStyle/>
+          <a:p>
+            <a:r>
+              <a:rPr lang="en-US" dirty="0"/>
+              <a:t>Challenges</a:t>
+            </a:r>
+          </a:p>
+        </p:txBody>
+      </p:sp>
+      <p:sp>
+        <p:nvSpPr>
+          <p:cNvPr id="3" name="Content Placeholder 2">
+            <a:extLst>
+              <a:ext uri="{FF2B5EF4-FFF2-40B4-BE49-F238E27FC236}">
+                <a16:creationId xmlns:a16="http://schemas.microsoft.com/office/drawing/2014/main" id="{56BED0CD-C351-7782-F9F6-E37ED4A7D7AF}"/>
+              </a:ext>
+            </a:extLst>
+          </p:cNvPr>
+          <p:cNvSpPr>
+            <a:spLocks noGrp="1"/>
+          </p:cNvSpPr>
+          <p:nvPr>
+            <p:ph idx="13"/>
+          </p:nvPr>
+        </p:nvSpPr>
+        <p:spPr>
+          <a:xfrm>
+            <a:off x="975360" y="2079371"/>
+            <a:ext cx="10116615" cy="3776596"/>
+          </a:xfrm>
+        </p:spPr>
+        <p:txBody>
+          <a:bodyPr/>
+          <a:lstStyle/>
+          <a:p>
+            <a:endParaRPr lang="en-US" sz="2400" dirty="0"/>
+          </a:p>
+          <a:p>
+            <a:pPr marL="342900" indent="-342900">
+              <a:buFont typeface="Arial" panose="020B0604020202020204" pitchFamily="34" charset="0"/>
+              <a:buChar char="•"/>
+            </a:pPr>
+            <a:r>
+              <a:rPr lang="en-US" sz="2400" dirty="0"/>
+              <a:t>Inexperience with building websites.</a:t>
+            </a:r>
+          </a:p>
+          <a:p>
+            <a:pPr marL="342900" indent="-342900">
+              <a:buFont typeface="Arial" panose="020B0604020202020204" pitchFamily="34" charset="0"/>
+              <a:buChar char="•"/>
+            </a:pPr>
+            <a:endParaRPr lang="en-US" sz="2400" dirty="0"/>
+          </a:p>
+          <a:p>
+            <a:pPr marL="342900" indent="-342900">
+              <a:buFont typeface="Arial" panose="020B0604020202020204" pitchFamily="34" charset="0"/>
+              <a:buChar char="•"/>
+            </a:pPr>
+            <a:r>
+              <a:rPr lang="en-US" sz="2400" dirty="0"/>
+              <a:t>Putting in the necessary time.</a:t>
+            </a:r>
+          </a:p>
+          <a:p>
+            <a:pPr marL="342900" indent="-342900">
+              <a:buFont typeface="Arial" panose="020B0604020202020204" pitchFamily="34" charset="0"/>
+              <a:buChar char="•"/>
+            </a:pPr>
+            <a:endParaRPr lang="en-US" sz="2400" dirty="0"/>
+          </a:p>
+          <a:p>
+            <a:pPr marL="342900" indent="-342900">
+              <a:buFont typeface="Arial" panose="020B0604020202020204" pitchFamily="34" charset="0"/>
+              <a:buChar char="•"/>
+            </a:pPr>
+            <a:r>
+              <a:rPr lang="en-US" dirty="0"/>
+              <a:t>Balance of work between teammates.</a:t>
+            </a:r>
+          </a:p>
+          <a:p>
+            <a:pPr marL="342900" indent="-342900">
+              <a:buFont typeface="Arial" panose="020B0604020202020204" pitchFamily="34" charset="0"/>
+              <a:buChar char="•"/>
+            </a:pPr>
+            <a:endParaRPr lang="en-US" dirty="0"/>
+          </a:p>
+          <a:p>
+            <a:pPr marL="342900" indent="-342900">
+              <a:buFont typeface="Arial" panose="020B0604020202020204" pitchFamily="34" charset="0"/>
+              <a:buChar char="•"/>
+            </a:pPr>
+            <a:endParaRPr lang="en-US" dirty="0"/>
+          </a:p>
+        </p:txBody>
+      </p:sp>
+    </p:spTree>
+    <p:extLst>
+      <p:ext uri="{BB962C8B-B14F-4D97-AF65-F5344CB8AC3E}">
+        <p14:creationId xmlns:p14="http://schemas.microsoft.com/office/powerpoint/2010/main" val="487191499"/>
+      </p:ext>
+    </p:extLst>
+  </p:cSld>
+  <p:clrMapOvr>
+    <a:masterClrMapping/>
+  </p:clrMapOvr>
+</p:sld>
+</file>
+
+<file path=ppt/slides/slide15.xml><?xml version="1.0" encoding="utf-8"?>
+<p:sld xmlns:a="http://schemas.openxmlformats.org/drawingml/2006/main" xmlns:r="http://schemas.openxmlformats.org/officeDocument/2006/relationships" xmlns:p="http://schemas.openxmlformats.org/presentationml/2006/main">
+  <p:cSld>
+    <p:spTree>
+      <p:nvGrpSpPr>
+        <p:cNvPr id="1" name="">
+          <a:extLst>
+            <a:ext uri="{FF2B5EF4-FFF2-40B4-BE49-F238E27FC236}">
               <a16:creationId xmlns:a16="http://schemas.microsoft.com/office/drawing/2014/main" id="{A0560F54-FD97-A2B8-96E8-482801411455}"/>
             </a:ext>
           </a:extLst>
@@ -8490,7 +9229,7 @@
 </p:sld>
 </file>
 
-<file path=ppt/slides/slide11.xml><?xml version="1.0" encoding="utf-8"?>
+<file path=ppt/slides/slide16.xml><?xml version="1.0" encoding="utf-8"?>
 <p:sld xmlns:a="http://schemas.openxmlformats.org/drawingml/2006/main" xmlns:r="http://schemas.openxmlformats.org/officeDocument/2006/relationships" xmlns:p="http://schemas.openxmlformats.org/presentationml/2006/main">
   <p:cSld>
     <p:spTree>
@@ -8565,7 +9304,7 @@
             <a:fld id="{C01389E6-C847-4AD0-B56D-D205B2EAB1EE}" type="slidenum">
               <a:rPr lang="en-US" smtClean="0"/>
               <a:pPr/>
-              <a:t>11</a:t>
+              <a:t>16</a:t>
             </a:fld>
             <a:endParaRPr lang="en-US" dirty="0"/>
           </a:p>
@@ -8861,43 +9600,7 @@
           <a:p>
             <a:r>
               <a:rPr lang="en-US" sz="8800" dirty="0"/>
-              <a:t>PROJECT UPDATE</a:t>
-            </a:r>
-          </a:p>
-        </p:txBody>
-      </p:sp>
-      <p:sp>
-        <p:nvSpPr>
-          <p:cNvPr id="3" name="TextBox 2">
-            <a:extLst>
-              <a:ext uri="{FF2B5EF4-FFF2-40B4-BE49-F238E27FC236}">
-                <a16:creationId xmlns:a16="http://schemas.microsoft.com/office/drawing/2014/main" id="{C25AFFBC-0FCD-D2A6-65F8-A6B183FDCB92}"/>
-              </a:ext>
-            </a:extLst>
-          </p:cNvPr>
-          <p:cNvSpPr txBox="1"/>
-          <p:nvPr/>
-        </p:nvSpPr>
-        <p:spPr>
-          <a:xfrm>
-            <a:off x="3475703" y="3704652"/>
-            <a:ext cx="5240594" cy="523220"/>
-          </a:xfrm>
-          <a:prstGeom prst="rect">
-            <a:avLst/>
-          </a:prstGeom>
-          <a:noFill/>
-        </p:spPr>
-        <p:txBody>
-          <a:bodyPr wrap="square" rtlCol="0">
-            <a:spAutoFit/>
-          </a:bodyPr>
-          <a:lstStyle/>
-          <a:p>
-            <a:pPr algn="ctr"/>
-            <a:r>
-              <a:rPr lang="en-US" sz="2800" dirty="0"/>
-              <a:t>Phase 2</a:t>
+              <a:t>Finished Project</a:t>
             </a:r>
           </a:p>
         </p:txBody>
@@ -8923,7 +9626,7 @@
         <p:cNvPr id="1" name="">
           <a:extLst>
             <a:ext uri="{FF2B5EF4-FFF2-40B4-BE49-F238E27FC236}">
-              <a16:creationId xmlns:a16="http://schemas.microsoft.com/office/drawing/2014/main" id="{0E873933-189C-6213-2917-2267BFCE693A}"/>
+              <a16:creationId xmlns:a16="http://schemas.microsoft.com/office/drawing/2014/main" id="{4A9063F5-8C98-B847-785F-82982F0C6C6A}"/>
             </a:ext>
           </a:extLst>
         </p:cNvPr>
@@ -8943,7 +9646,7 @@
           <p:cNvPr id="2" name="Title 1">
             <a:extLst>
               <a:ext uri="{FF2B5EF4-FFF2-40B4-BE49-F238E27FC236}">
-                <a16:creationId xmlns:a16="http://schemas.microsoft.com/office/drawing/2014/main" id="{4946A7E0-5076-86F7-7F80-575580D079CA}"/>
+                <a16:creationId xmlns:a16="http://schemas.microsoft.com/office/drawing/2014/main" id="{32BE0ACE-A1DB-B3DB-0097-600D897888E0}"/>
               </a:ext>
             </a:extLst>
           </p:cNvPr>
@@ -8961,7 +9664,7 @@
           <a:p>
             <a:r>
               <a:rPr lang="en-US" dirty="0"/>
-              <a:t>What we are Using</a:t>
+              <a:t>Backend Updates</a:t>
             </a:r>
           </a:p>
         </p:txBody>
@@ -8971,7 +9674,7 @@
           <p:cNvPr id="5" name="Content Placeholder 4">
             <a:extLst>
               <a:ext uri="{FF2B5EF4-FFF2-40B4-BE49-F238E27FC236}">
-                <a16:creationId xmlns:a16="http://schemas.microsoft.com/office/drawing/2014/main" id="{6E396ADE-B33C-5433-D37F-570D641CA8DA}"/>
+                <a16:creationId xmlns:a16="http://schemas.microsoft.com/office/drawing/2014/main" id="{B4AAE990-3F86-B5C9-1591-7090407D01E8}"/>
               </a:ext>
             </a:extLst>
           </p:cNvPr>
@@ -8993,7 +9696,7 @@
             </a:pPr>
             <a:r>
               <a:rPr lang="en-US" sz="2400" dirty="0"/>
-              <a:t>HTML/CSS for frontend operations.</a:t>
+              <a:t>Security improvements</a:t>
             </a:r>
           </a:p>
           <a:p>
@@ -9010,7 +9713,7 @@
             </a:pPr>
             <a:r>
               <a:rPr lang="en-US" sz="2400" dirty="0"/>
-              <a:t>PHP/SQL for backend database connection and organization.</a:t>
+              <a:t>Hardened against SQL injection</a:t>
             </a:r>
           </a:p>
           <a:p>
@@ -9026,29 +9729,16 @@
               <a:buChar char="•"/>
             </a:pPr>
             <a:r>
+              <a:rPr lang="en-US" sz="2400" dirty="0"/>
+              <a:t>Upgraded to be </a:t>
+            </a:r>
+            <a:r>
               <a:rPr lang="en-US" sz="2400" dirty="0" err="1"/>
-              <a:t>phpmyadmin</a:t>
+              <a:t>Mockaroo</a:t>
             </a:r>
             <a:r>
               <a:rPr lang="en-US" sz="2400" dirty="0"/>
-              <a:t> for database management.</a:t>
-            </a:r>
-          </a:p>
-          <a:p>
-            <a:pPr marL="342900" indent="-342900">
-              <a:buFont typeface="Arial" panose="020B0604020202020204" pitchFamily="34" charset="0"/>
-              <a:buChar char="•"/>
-            </a:pPr>
-            <a:endParaRPr lang="en-US" sz="2400" dirty="0"/>
-          </a:p>
-          <a:p>
-            <a:pPr marL="342900" indent="-342900">
-              <a:buFont typeface="Arial" panose="020B0604020202020204" pitchFamily="34" charset="0"/>
-              <a:buChar char="•"/>
-            </a:pPr>
-            <a:r>
-              <a:rPr lang="en-US" sz="2400" dirty="0"/>
-              <a:t>XAMPP for server connection.</a:t>
+              <a:t> complaint in the ‘users’ table</a:t>
             </a:r>
           </a:p>
         </p:txBody>
@@ -9058,7 +9748,7 @@
           <p:cNvPr id="4" name="Slide Number Placeholder 3">
             <a:extLst>
               <a:ext uri="{FF2B5EF4-FFF2-40B4-BE49-F238E27FC236}">
-                <a16:creationId xmlns:a16="http://schemas.microsoft.com/office/drawing/2014/main" id="{11B38EAE-DC76-31B4-053E-132ABBEF0B36}"/>
+                <a16:creationId xmlns:a16="http://schemas.microsoft.com/office/drawing/2014/main" id="{F2142430-717D-CC51-4C08-0FCA257CF2BC}"/>
               </a:ext>
             </a:extLst>
           </p:cNvPr>
@@ -9086,7 +9776,7 @@
     </p:spTree>
     <p:extLst>
       <p:ext uri="{BB962C8B-B14F-4D97-AF65-F5344CB8AC3E}">
-        <p14:creationId xmlns:p14="http://schemas.microsoft.com/office/powerpoint/2010/main" val="1225714513"/>
+        <p14:creationId xmlns:p14="http://schemas.microsoft.com/office/powerpoint/2010/main" val="3661524461"/>
       </p:ext>
     </p:extLst>
   </p:cSld>
@@ -9104,7 +9794,7 @@
         <p:cNvPr id="1" name="">
           <a:extLst>
             <a:ext uri="{FF2B5EF4-FFF2-40B4-BE49-F238E27FC236}">
-              <a16:creationId xmlns:a16="http://schemas.microsoft.com/office/drawing/2014/main" id="{4CFBE7F5-525E-5F5D-793A-4CB2EFC1F0CF}"/>
+              <a16:creationId xmlns:a16="http://schemas.microsoft.com/office/drawing/2014/main" id="{401D9733-C7F1-7918-0E75-46C526AF9ED9}"/>
             </a:ext>
           </a:extLst>
         </p:cNvPr>
@@ -9124,7 +9814,7 @@
           <p:cNvPr id="2" name="Title 1">
             <a:extLst>
               <a:ext uri="{FF2B5EF4-FFF2-40B4-BE49-F238E27FC236}">
-                <a16:creationId xmlns:a16="http://schemas.microsoft.com/office/drawing/2014/main" id="{0EA7ACAE-83D0-689F-C856-14B3C7E24E53}"/>
+                <a16:creationId xmlns:a16="http://schemas.microsoft.com/office/drawing/2014/main" id="{645059A9-1A27-32D1-F47E-E7A21E6A792E}"/>
               </a:ext>
             </a:extLst>
           </p:cNvPr>
@@ -9142,7 +9832,7 @@
           <a:p>
             <a:r>
               <a:rPr lang="en-US" dirty="0"/>
-              <a:t>The basic design</a:t>
+              <a:t>Frontend Updates</a:t>
             </a:r>
           </a:p>
         </p:txBody>
@@ -9152,7 +9842,7 @@
           <p:cNvPr id="5" name="Content Placeholder 4">
             <a:extLst>
               <a:ext uri="{FF2B5EF4-FFF2-40B4-BE49-F238E27FC236}">
-                <a16:creationId xmlns:a16="http://schemas.microsoft.com/office/drawing/2014/main" id="{7992BA85-F701-F32B-FA3C-11562C847FBA}"/>
+                <a16:creationId xmlns:a16="http://schemas.microsoft.com/office/drawing/2014/main" id="{DEF16E3C-FE3E-445F-CA50-27402A7301DB}"/>
               </a:ext>
             </a:extLst>
           </p:cNvPr>
@@ -9174,7 +9864,7 @@
             </a:pPr>
             <a:r>
               <a:rPr lang="en-US" sz="2400" dirty="0"/>
-              <a:t>Database with several tables that keeps track of individual aspects of the transaction process.</a:t>
+              <a:t>Entirely new, sleeker frontend template from Start Bootstrap</a:t>
             </a:r>
           </a:p>
           <a:p>
@@ -9191,7 +9881,7 @@
             </a:pPr>
             <a:r>
               <a:rPr lang="en-US" sz="2400" dirty="0"/>
-              <a:t>These tables handle the user data, the information about their purchases, and the listings of their products.</a:t>
+              <a:t>Pictures for individual products along with their listings</a:t>
             </a:r>
           </a:p>
           <a:p>
@@ -9208,7 +9898,7 @@
             </a:pPr>
             <a:r>
               <a:rPr lang="en-US" sz="2400" dirty="0"/>
-              <a:t>The front end allows users to create a profile, then add listings or make purchases via a Cart.</a:t>
+              <a:t>Better interfaces</a:t>
             </a:r>
           </a:p>
         </p:txBody>
@@ -9218,7 +9908,7 @@
           <p:cNvPr id="4" name="Slide Number Placeholder 3">
             <a:extLst>
               <a:ext uri="{FF2B5EF4-FFF2-40B4-BE49-F238E27FC236}">
-                <a16:creationId xmlns:a16="http://schemas.microsoft.com/office/drawing/2014/main" id="{79A33F0C-AC17-5DA4-DE4D-73B023F33C4C}"/>
+                <a16:creationId xmlns:a16="http://schemas.microsoft.com/office/drawing/2014/main" id="{FB91E180-0411-33C7-B681-9156857644D2}"/>
               </a:ext>
             </a:extLst>
           </p:cNvPr>
@@ -9246,7 +9936,7 @@
     </p:spTree>
     <p:extLst>
       <p:ext uri="{BB962C8B-B14F-4D97-AF65-F5344CB8AC3E}">
-        <p14:creationId xmlns:p14="http://schemas.microsoft.com/office/powerpoint/2010/main" val="2077988448"/>
+        <p14:creationId xmlns:p14="http://schemas.microsoft.com/office/powerpoint/2010/main" val="2545169633"/>
       </p:ext>
     </p:extLst>
   </p:cSld>
@@ -9257,338 +9947,6 @@
 </file>
 
 <file path=ppt/slides/slide5.xml><?xml version="1.0" encoding="utf-8"?>
-<p:sld xmlns:a="http://schemas.openxmlformats.org/drawingml/2006/main" xmlns:r="http://schemas.openxmlformats.org/officeDocument/2006/relationships" xmlns:p="http://schemas.openxmlformats.org/presentationml/2006/main">
-  <p:cSld>
-    <p:spTree>
-      <p:nvGrpSpPr>
-        <p:cNvPr id="1" name="">
-          <a:extLst>
-            <a:ext uri="{FF2B5EF4-FFF2-40B4-BE49-F238E27FC236}">
-              <a16:creationId xmlns:a16="http://schemas.microsoft.com/office/drawing/2014/main" id="{EAE76170-0AB5-D1A0-5020-C6008EE7F4A6}"/>
-            </a:ext>
-          </a:extLst>
-        </p:cNvPr>
-        <p:cNvGrpSpPr/>
-        <p:nvPr/>
-      </p:nvGrpSpPr>
-      <p:grpSpPr>
-        <a:xfrm>
-          <a:off x="0" y="0"/>
-          <a:ext cx="0" cy="0"/>
-          <a:chOff x="0" y="0"/>
-          <a:chExt cx="0" cy="0"/>
-        </a:xfrm>
-      </p:grpSpPr>
-      <p:sp>
-        <p:nvSpPr>
-          <p:cNvPr id="2" name="Title 1">
-            <a:extLst>
-              <a:ext uri="{FF2B5EF4-FFF2-40B4-BE49-F238E27FC236}">
-                <a16:creationId xmlns:a16="http://schemas.microsoft.com/office/drawing/2014/main" id="{8E6E33FE-8338-3170-FB23-6A0AF3066543}"/>
-              </a:ext>
-            </a:extLst>
-          </p:cNvPr>
-          <p:cNvSpPr>
-            <a:spLocks noGrp="1"/>
-          </p:cNvSpPr>
-          <p:nvPr>
-            <p:ph type="title"/>
-          </p:nvPr>
-        </p:nvSpPr>
-        <p:spPr/>
-        <p:txBody>
-          <a:bodyPr/>
-          <a:lstStyle/>
-          <a:p>
-            <a:r>
-              <a:rPr lang="en-US" dirty="0"/>
-              <a:t>Progress Updates</a:t>
-            </a:r>
-          </a:p>
-        </p:txBody>
-      </p:sp>
-      <p:sp>
-        <p:nvSpPr>
-          <p:cNvPr id="3" name="Content Placeholder 2">
-            <a:extLst>
-              <a:ext uri="{FF2B5EF4-FFF2-40B4-BE49-F238E27FC236}">
-                <a16:creationId xmlns:a16="http://schemas.microsoft.com/office/drawing/2014/main" id="{231EA5F8-D081-1772-0B57-9649B5A12853}"/>
-              </a:ext>
-            </a:extLst>
-          </p:cNvPr>
-          <p:cNvSpPr>
-            <a:spLocks noGrp="1"/>
-          </p:cNvSpPr>
-          <p:nvPr>
-            <p:ph idx="13"/>
-          </p:nvPr>
-        </p:nvSpPr>
-        <p:spPr>
-          <a:xfrm>
-            <a:off x="975360" y="2079371"/>
-            <a:ext cx="10116615" cy="3776596"/>
-          </a:xfrm>
-        </p:spPr>
-        <p:txBody>
-          <a:bodyPr/>
-          <a:lstStyle/>
-          <a:p>
-            <a:endParaRPr lang="en-US" sz="2400" dirty="0"/>
-          </a:p>
-          <a:p>
-            <a:pPr marL="342900" indent="-342900">
-              <a:buFont typeface="Arial" panose="020B0604020202020204" pitchFamily="34" charset="0"/>
-              <a:buChar char="•"/>
-            </a:pPr>
-            <a:r>
-              <a:rPr lang="en-US" sz="2400" dirty="0"/>
-              <a:t>Checkout system now functional</a:t>
-            </a:r>
-          </a:p>
-          <a:p>
-            <a:pPr marL="342900" indent="-342900">
-              <a:buFont typeface="Arial" panose="020B0604020202020204" pitchFamily="34" charset="0"/>
-              <a:buChar char="•"/>
-            </a:pPr>
-            <a:endParaRPr lang="en-US" sz="2400" dirty="0"/>
-          </a:p>
-          <a:p>
-            <a:pPr marL="342900" indent="-342900">
-              <a:buFont typeface="Arial" panose="020B0604020202020204" pitchFamily="34" charset="0"/>
-              <a:buChar char="•"/>
-            </a:pPr>
-            <a:r>
-              <a:rPr lang="en-US" sz="2400" dirty="0"/>
-              <a:t>Improved security with addition of GUID system</a:t>
-            </a:r>
-          </a:p>
-          <a:p>
-            <a:pPr marL="342900" indent="-342900">
-              <a:buFont typeface="Arial" panose="020B0604020202020204" pitchFamily="34" charset="0"/>
-              <a:buChar char="•"/>
-            </a:pPr>
-            <a:endParaRPr lang="en-US" sz="2400" dirty="0"/>
-          </a:p>
-          <a:p>
-            <a:pPr marL="342900" indent="-342900">
-              <a:buFont typeface="Arial" panose="020B0604020202020204" pitchFamily="34" charset="0"/>
-              <a:buChar char="•"/>
-            </a:pPr>
-            <a:r>
-              <a:rPr lang="en-US" sz="2400" dirty="0"/>
-              <a:t>Minor updates to frontend</a:t>
-            </a:r>
-          </a:p>
-          <a:p>
-            <a:pPr marL="342900" indent="-342900">
-              <a:buFont typeface="Arial" panose="020B0604020202020204" pitchFamily="34" charset="0"/>
-              <a:buChar char="•"/>
-            </a:pPr>
-            <a:endParaRPr lang="en-US" sz="2400" dirty="0"/>
-          </a:p>
-          <a:p>
-            <a:pPr marL="342900" indent="-342900">
-              <a:buFont typeface="Arial" panose="020B0604020202020204" pitchFamily="34" charset="0"/>
-              <a:buChar char="•"/>
-            </a:pPr>
-            <a:endParaRPr lang="en-US" dirty="0"/>
-          </a:p>
-          <a:p>
-            <a:pPr marL="342900" indent="-342900">
-              <a:buFont typeface="Arial" panose="020B0604020202020204" pitchFamily="34" charset="0"/>
-              <a:buChar char="•"/>
-            </a:pPr>
-            <a:endParaRPr lang="en-US" dirty="0"/>
-          </a:p>
-          <a:p>
-            <a:pPr marL="342900" indent="-342900">
-              <a:buFont typeface="Arial" panose="020B0604020202020204" pitchFamily="34" charset="0"/>
-              <a:buChar char="•"/>
-            </a:pPr>
-            <a:endParaRPr lang="en-US" dirty="0"/>
-          </a:p>
-        </p:txBody>
-      </p:sp>
-    </p:spTree>
-    <p:extLst>
-      <p:ext uri="{BB962C8B-B14F-4D97-AF65-F5344CB8AC3E}">
-        <p14:creationId xmlns:p14="http://schemas.microsoft.com/office/powerpoint/2010/main" val="1442945852"/>
-      </p:ext>
-    </p:extLst>
-  </p:cSld>
-  <p:clrMapOvr>
-    <a:masterClrMapping/>
-  </p:clrMapOvr>
-</p:sld>
-</file>
-
-<file path=ppt/slides/slide6.xml><?xml version="1.0" encoding="utf-8"?>
-<p:sld xmlns:a="http://schemas.openxmlformats.org/drawingml/2006/main" xmlns:r="http://schemas.openxmlformats.org/officeDocument/2006/relationships" xmlns:p="http://schemas.openxmlformats.org/presentationml/2006/main">
-  <p:cSld>
-    <p:spTree>
-      <p:nvGrpSpPr>
-        <p:cNvPr id="1" name="">
-          <a:extLst>
-            <a:ext uri="{FF2B5EF4-FFF2-40B4-BE49-F238E27FC236}">
-              <a16:creationId xmlns:a16="http://schemas.microsoft.com/office/drawing/2014/main" id="{BA2E2835-755D-44FD-1F6F-203579EF67F7}"/>
-            </a:ext>
-          </a:extLst>
-        </p:cNvPr>
-        <p:cNvGrpSpPr/>
-        <p:nvPr/>
-      </p:nvGrpSpPr>
-      <p:grpSpPr>
-        <a:xfrm>
-          <a:off x="0" y="0"/>
-          <a:ext cx="0" cy="0"/>
-          <a:chOff x="0" y="0"/>
-          <a:chExt cx="0" cy="0"/>
-        </a:xfrm>
-      </p:grpSpPr>
-      <p:sp>
-        <p:nvSpPr>
-          <p:cNvPr id="2" name="Title 1">
-            <a:extLst>
-              <a:ext uri="{FF2B5EF4-FFF2-40B4-BE49-F238E27FC236}">
-                <a16:creationId xmlns:a16="http://schemas.microsoft.com/office/drawing/2014/main" id="{38C71F8F-F6C6-03EE-153A-4787948C5E04}"/>
-              </a:ext>
-            </a:extLst>
-          </p:cNvPr>
-          <p:cNvSpPr>
-            <a:spLocks noGrp="1"/>
-          </p:cNvSpPr>
-          <p:nvPr>
-            <p:ph type="title"/>
-          </p:nvPr>
-        </p:nvSpPr>
-        <p:spPr/>
-        <p:txBody>
-          <a:bodyPr/>
-          <a:lstStyle/>
-          <a:p>
-            <a:r>
-              <a:rPr lang="en-US" dirty="0"/>
-              <a:t>What’s to come</a:t>
-            </a:r>
-          </a:p>
-        </p:txBody>
-      </p:sp>
-      <p:sp>
-        <p:nvSpPr>
-          <p:cNvPr id="3" name="Content Placeholder 2">
-            <a:extLst>
-              <a:ext uri="{FF2B5EF4-FFF2-40B4-BE49-F238E27FC236}">
-                <a16:creationId xmlns:a16="http://schemas.microsoft.com/office/drawing/2014/main" id="{9A4A5456-E7EF-2A74-4280-00829BAE8FB7}"/>
-              </a:ext>
-            </a:extLst>
-          </p:cNvPr>
-          <p:cNvSpPr>
-            <a:spLocks noGrp="1"/>
-          </p:cNvSpPr>
-          <p:nvPr>
-            <p:ph idx="13"/>
-          </p:nvPr>
-        </p:nvSpPr>
-        <p:spPr>
-          <a:xfrm>
-            <a:off x="975360" y="2079371"/>
-            <a:ext cx="10116615" cy="3776596"/>
-          </a:xfrm>
-        </p:spPr>
-        <p:txBody>
-          <a:bodyPr/>
-          <a:lstStyle/>
-          <a:p>
-            <a:endParaRPr lang="en-US" sz="2400" dirty="0"/>
-          </a:p>
-          <a:p>
-            <a:pPr marL="342900" indent="-342900">
-              <a:buFont typeface="Arial" panose="020B0604020202020204" pitchFamily="34" charset="0"/>
-              <a:buChar char="•"/>
-            </a:pPr>
-            <a:r>
-              <a:rPr lang="en-US" sz="2400" dirty="0"/>
-              <a:t>Continue implementing a frontend, including images</a:t>
-            </a:r>
-          </a:p>
-          <a:p>
-            <a:pPr marL="342900" indent="-342900">
-              <a:buFont typeface="Arial" panose="020B0604020202020204" pitchFamily="34" charset="0"/>
-              <a:buChar char="•"/>
-            </a:pPr>
-            <a:endParaRPr lang="en-US" sz="2400" dirty="0"/>
-          </a:p>
-          <a:p>
-            <a:pPr marL="342900" indent="-342900">
-              <a:buFont typeface="Arial" panose="020B0604020202020204" pitchFamily="34" charset="0"/>
-              <a:buChar char="•"/>
-            </a:pPr>
-            <a:r>
-              <a:rPr lang="en-US" sz="2400" dirty="0"/>
-              <a:t>Improvements to backend, especially security</a:t>
-            </a:r>
-          </a:p>
-          <a:p>
-            <a:pPr marL="342900" indent="-342900">
-              <a:buFont typeface="Arial" panose="020B0604020202020204" pitchFamily="34" charset="0"/>
-              <a:buChar char="•"/>
-            </a:pPr>
-            <a:endParaRPr lang="en-US" sz="2400" dirty="0"/>
-          </a:p>
-          <a:p>
-            <a:pPr marL="342900" indent="-342900">
-              <a:buFont typeface="Arial" panose="020B0604020202020204" pitchFamily="34" charset="0"/>
-              <a:buChar char="•"/>
-            </a:pPr>
-            <a:r>
-              <a:rPr lang="en-US" sz="2400" dirty="0"/>
-              <a:t>More features, such as admin panel</a:t>
-            </a:r>
-          </a:p>
-          <a:p>
-            <a:pPr marL="342900" indent="-342900">
-              <a:buFont typeface="Arial" panose="020B0604020202020204" pitchFamily="34" charset="0"/>
-              <a:buChar char="•"/>
-            </a:pPr>
-            <a:endParaRPr lang="en-US" sz="2400" dirty="0"/>
-          </a:p>
-          <a:p>
-            <a:pPr marL="342900" indent="-342900">
-              <a:buFont typeface="Arial" panose="020B0604020202020204" pitchFamily="34" charset="0"/>
-              <a:buChar char="•"/>
-            </a:pPr>
-            <a:endParaRPr lang="en-US" dirty="0"/>
-          </a:p>
-          <a:p>
-            <a:pPr marL="342900" indent="-342900">
-              <a:buFont typeface="Arial" panose="020B0604020202020204" pitchFamily="34" charset="0"/>
-              <a:buChar char="•"/>
-            </a:pPr>
-            <a:endParaRPr lang="en-US" dirty="0"/>
-          </a:p>
-          <a:p>
-            <a:pPr marL="342900" indent="-342900">
-              <a:buFont typeface="Arial" panose="020B0604020202020204" pitchFamily="34" charset="0"/>
-              <a:buChar char="•"/>
-            </a:pPr>
-            <a:endParaRPr lang="en-US" dirty="0"/>
-          </a:p>
-        </p:txBody>
-      </p:sp>
-    </p:spTree>
-    <p:extLst>
-      <p:ext uri="{BB962C8B-B14F-4D97-AF65-F5344CB8AC3E}">
-        <p14:creationId xmlns:p14="http://schemas.microsoft.com/office/powerpoint/2010/main" val="2881520069"/>
-      </p:ext>
-    </p:extLst>
-  </p:cSld>
-  <p:clrMapOvr>
-    <a:masterClrMapping/>
-  </p:clrMapOvr>
-</p:sld>
-</file>
-
-<file path=ppt/slides/slide7.xml><?xml version="1.0" encoding="utf-8"?>
 <p:sld xmlns:a="http://schemas.openxmlformats.org/drawingml/2006/main" xmlns:r="http://schemas.openxmlformats.org/officeDocument/2006/relationships" xmlns:p="http://schemas.openxmlformats.org/presentationml/2006/main">
   <p:cSld>
     <p:spTree>
@@ -9674,7 +10032,7 @@
             </a:pPr>
             <a:r>
               <a:rPr lang="en-US" sz="2400" dirty="0"/>
-              <a:t>Creating a frontend layout; work has gone backwards</a:t>
+              <a:t>Inexperience with building websites.</a:t>
             </a:r>
           </a:p>
           <a:p>
@@ -9691,7 +10049,7 @@
             </a:pPr>
             <a:r>
               <a:rPr lang="en-US" sz="2400" dirty="0"/>
-              <a:t>Producing a backend that is modular and can be attached to any frontend</a:t>
+              <a:t>Putting in the necessary time.</a:t>
             </a:r>
           </a:p>
           <a:p>
@@ -9707,21 +10065,16 @@
               <a:buChar char="•"/>
             </a:pPr>
             <a:r>
-              <a:rPr lang="en-US" sz="2400" dirty="0"/>
-              <a:t>Difficulties with PHP and getting </a:t>
-            </a:r>
-            <a:r>
-              <a:rPr lang="en-US" sz="2400"/>
-              <a:t>it functioning</a:t>
-            </a:r>
-            <a:endParaRPr lang="en-US" sz="2400" dirty="0"/>
+              <a:rPr lang="en-US" dirty="0"/>
+              <a:t>Balance of work between teammates.</a:t>
+            </a:r>
           </a:p>
           <a:p>
             <a:pPr marL="342900" indent="-342900">
               <a:buFont typeface="Arial" panose="020B0604020202020204" pitchFamily="34" charset="0"/>
               <a:buChar char="•"/>
             </a:pPr>
-            <a:endParaRPr lang="en-US" sz="2400" dirty="0"/>
+            <a:endParaRPr lang="en-US" dirty="0"/>
           </a:p>
           <a:p>
             <a:pPr marL="342900" indent="-342900">
@@ -9730,6 +10083,100 @@
             </a:pPr>
             <a:endParaRPr lang="en-US" dirty="0"/>
           </a:p>
+        </p:txBody>
+      </p:sp>
+    </p:spTree>
+    <p:extLst>
+      <p:ext uri="{BB962C8B-B14F-4D97-AF65-F5344CB8AC3E}">
+        <p14:creationId xmlns:p14="http://schemas.microsoft.com/office/powerpoint/2010/main" val="2123919913"/>
+      </p:ext>
+    </p:extLst>
+  </p:cSld>
+  <p:clrMapOvr>
+    <a:masterClrMapping/>
+  </p:clrMapOvr>
+</p:sld>
+</file>
+
+<file path=ppt/slides/slide6.xml><?xml version="1.0" encoding="utf-8"?>
+<p:sld xmlns:a="http://schemas.openxmlformats.org/drawingml/2006/main" xmlns:r="http://schemas.openxmlformats.org/officeDocument/2006/relationships" xmlns:p="http://schemas.openxmlformats.org/presentationml/2006/main">
+  <p:cSld>
+    <p:spTree>
+      <p:nvGrpSpPr>
+        <p:cNvPr id="1" name="">
+          <a:extLst>
+            <a:ext uri="{FF2B5EF4-FFF2-40B4-BE49-F238E27FC236}">
+              <a16:creationId xmlns:a16="http://schemas.microsoft.com/office/drawing/2014/main" id="{E1D42BA1-5377-646E-8DBD-7689F7F18729}"/>
+            </a:ext>
+          </a:extLst>
+        </p:cNvPr>
+        <p:cNvGrpSpPr/>
+        <p:nvPr/>
+      </p:nvGrpSpPr>
+      <p:grpSpPr>
+        <a:xfrm>
+          <a:off x="0" y="0"/>
+          <a:ext cx="0" cy="0"/>
+          <a:chOff x="0" y="0"/>
+          <a:chExt cx="0" cy="0"/>
+        </a:xfrm>
+      </p:grpSpPr>
+      <p:sp>
+        <p:nvSpPr>
+          <p:cNvPr id="2" name="Title 1">
+            <a:extLst>
+              <a:ext uri="{FF2B5EF4-FFF2-40B4-BE49-F238E27FC236}">
+                <a16:creationId xmlns:a16="http://schemas.microsoft.com/office/drawing/2014/main" id="{70FEC907-54CF-CBBA-4F84-FC78E2B8BF98}"/>
+              </a:ext>
+            </a:extLst>
+          </p:cNvPr>
+          <p:cNvSpPr>
+            <a:spLocks noGrp="1"/>
+          </p:cNvSpPr>
+          <p:nvPr>
+            <p:ph type="title"/>
+          </p:nvPr>
+        </p:nvSpPr>
+        <p:spPr/>
+        <p:txBody>
+          <a:bodyPr/>
+          <a:lstStyle/>
+          <a:p>
+            <a:r>
+              <a:rPr lang="en-US" dirty="0"/>
+              <a:t>Front Page</a:t>
+            </a:r>
+          </a:p>
+        </p:txBody>
+      </p:sp>
+      <p:sp>
+        <p:nvSpPr>
+          <p:cNvPr id="3" name="Content Placeholder 2">
+            <a:extLst>
+              <a:ext uri="{FF2B5EF4-FFF2-40B4-BE49-F238E27FC236}">
+                <a16:creationId xmlns:a16="http://schemas.microsoft.com/office/drawing/2014/main" id="{BB15D85C-6B1D-FD40-8734-1C4EEE19DE2A}"/>
+              </a:ext>
+            </a:extLst>
+          </p:cNvPr>
+          <p:cNvSpPr>
+            <a:spLocks noGrp="1"/>
+          </p:cNvSpPr>
+          <p:nvPr>
+            <p:ph idx="13"/>
+          </p:nvPr>
+        </p:nvSpPr>
+        <p:spPr>
+          <a:xfrm>
+            <a:off x="975360" y="2079371"/>
+            <a:ext cx="10116615" cy="3776596"/>
+          </a:xfrm>
+        </p:spPr>
+        <p:txBody>
+          <a:bodyPr/>
+          <a:lstStyle/>
+          <a:p>
+            <a:endParaRPr lang="en-US" sz="2400" dirty="0"/>
+          </a:p>
           <a:p>
             <a:pPr marL="342900" indent="-342900">
               <a:buFont typeface="Arial" panose="020B0604020202020204" pitchFamily="34" charset="0"/>
@@ -9746,10 +10193,178 @@
           </a:p>
         </p:txBody>
       </p:sp>
+      <p:pic>
+        <p:nvPicPr>
+          <p:cNvPr id="5" name="Picture 4" descr="A screenshot of a computer&#10;&#10;AI-generated content may be incorrect.">
+            <a:extLst>
+              <a:ext uri="{FF2B5EF4-FFF2-40B4-BE49-F238E27FC236}">
+                <a16:creationId xmlns:a16="http://schemas.microsoft.com/office/drawing/2014/main" id="{810C9212-C2CD-C6BA-430B-946DD60BD455}"/>
+              </a:ext>
+            </a:extLst>
+          </p:cNvPr>
+          <p:cNvPicPr>
+            <a:picLocks noChangeAspect="1"/>
+          </p:cNvPicPr>
+          <p:nvPr/>
+        </p:nvPicPr>
+        <p:blipFill>
+          <a:blip r:embed="rId2"/>
+          <a:stretch>
+            <a:fillRect/>
+          </a:stretch>
+        </p:blipFill>
+        <p:spPr>
+          <a:xfrm>
+            <a:off x="1235947" y="1892341"/>
+            <a:ext cx="9438752" cy="4150656"/>
+          </a:xfrm>
+          <a:prstGeom prst="rect">
+            <a:avLst/>
+          </a:prstGeom>
+        </p:spPr>
+      </p:pic>
     </p:spTree>
     <p:extLst>
       <p:ext uri="{BB962C8B-B14F-4D97-AF65-F5344CB8AC3E}">
-        <p14:creationId xmlns:p14="http://schemas.microsoft.com/office/powerpoint/2010/main" val="2123919913"/>
+        <p14:creationId xmlns:p14="http://schemas.microsoft.com/office/powerpoint/2010/main" val="1649306066"/>
+      </p:ext>
+    </p:extLst>
+  </p:cSld>
+  <p:clrMapOvr>
+    <a:masterClrMapping/>
+  </p:clrMapOvr>
+</p:sld>
+</file>
+
+<file path=ppt/slides/slide7.xml><?xml version="1.0" encoding="utf-8"?>
+<p:sld xmlns:a="http://schemas.openxmlformats.org/drawingml/2006/main" xmlns:r="http://schemas.openxmlformats.org/officeDocument/2006/relationships" xmlns:p="http://schemas.openxmlformats.org/presentationml/2006/main">
+  <p:cSld>
+    <p:spTree>
+      <p:nvGrpSpPr>
+        <p:cNvPr id="1" name="">
+          <a:extLst>
+            <a:ext uri="{FF2B5EF4-FFF2-40B4-BE49-F238E27FC236}">
+              <a16:creationId xmlns:a16="http://schemas.microsoft.com/office/drawing/2014/main" id="{48EFD32F-D4FC-ED58-495F-A6ACBB4E153E}"/>
+            </a:ext>
+          </a:extLst>
+        </p:cNvPr>
+        <p:cNvGrpSpPr/>
+        <p:nvPr/>
+      </p:nvGrpSpPr>
+      <p:grpSpPr>
+        <a:xfrm>
+          <a:off x="0" y="0"/>
+          <a:ext cx="0" cy="0"/>
+          <a:chOff x="0" y="0"/>
+          <a:chExt cx="0" cy="0"/>
+        </a:xfrm>
+      </p:grpSpPr>
+      <p:sp>
+        <p:nvSpPr>
+          <p:cNvPr id="2" name="Title 1">
+            <a:extLst>
+              <a:ext uri="{FF2B5EF4-FFF2-40B4-BE49-F238E27FC236}">
+                <a16:creationId xmlns:a16="http://schemas.microsoft.com/office/drawing/2014/main" id="{8B3FFF8A-B6B3-E8EB-21BD-C42F92193F09}"/>
+              </a:ext>
+            </a:extLst>
+          </p:cNvPr>
+          <p:cNvSpPr>
+            <a:spLocks noGrp="1"/>
+          </p:cNvSpPr>
+          <p:nvPr>
+            <p:ph type="title"/>
+          </p:nvPr>
+        </p:nvSpPr>
+        <p:spPr/>
+        <p:txBody>
+          <a:bodyPr/>
+          <a:lstStyle/>
+          <a:p>
+            <a:r>
+              <a:rPr lang="en-US" dirty="0"/>
+              <a:t>Front Page – Scrolled Down</a:t>
+            </a:r>
+          </a:p>
+        </p:txBody>
+      </p:sp>
+      <p:sp>
+        <p:nvSpPr>
+          <p:cNvPr id="3" name="Content Placeholder 2">
+            <a:extLst>
+              <a:ext uri="{FF2B5EF4-FFF2-40B4-BE49-F238E27FC236}">
+                <a16:creationId xmlns:a16="http://schemas.microsoft.com/office/drawing/2014/main" id="{2F614EDF-49D6-5AFF-6FB0-34B15BAE4C57}"/>
+              </a:ext>
+            </a:extLst>
+          </p:cNvPr>
+          <p:cNvSpPr>
+            <a:spLocks noGrp="1"/>
+          </p:cNvSpPr>
+          <p:nvPr>
+            <p:ph idx="13"/>
+          </p:nvPr>
+        </p:nvSpPr>
+        <p:spPr>
+          <a:xfrm>
+            <a:off x="975360" y="2079371"/>
+            <a:ext cx="10116615" cy="3776596"/>
+          </a:xfrm>
+        </p:spPr>
+        <p:txBody>
+          <a:bodyPr/>
+          <a:lstStyle/>
+          <a:p>
+            <a:endParaRPr lang="en-US" sz="2400" dirty="0"/>
+          </a:p>
+          <a:p>
+            <a:pPr marL="342900" indent="-342900">
+              <a:buFont typeface="Arial" panose="020B0604020202020204" pitchFamily="34" charset="0"/>
+              <a:buChar char="•"/>
+            </a:pPr>
+            <a:endParaRPr lang="en-US" dirty="0"/>
+          </a:p>
+          <a:p>
+            <a:pPr marL="342900" indent="-342900">
+              <a:buFont typeface="Arial" panose="020B0604020202020204" pitchFamily="34" charset="0"/>
+              <a:buChar char="•"/>
+            </a:pPr>
+            <a:endParaRPr lang="en-US" dirty="0"/>
+          </a:p>
+        </p:txBody>
+      </p:sp>
+      <p:pic>
+        <p:nvPicPr>
+          <p:cNvPr id="5" name="Picture 4" descr="A screenshot of a computer&#10;&#10;AI-generated content may be incorrect.">
+            <a:extLst>
+              <a:ext uri="{FF2B5EF4-FFF2-40B4-BE49-F238E27FC236}">
+                <a16:creationId xmlns:a16="http://schemas.microsoft.com/office/drawing/2014/main" id="{434E38DB-4683-D9A4-264F-6257DF923072}"/>
+              </a:ext>
+            </a:extLst>
+          </p:cNvPr>
+          <p:cNvPicPr>
+            <a:picLocks noChangeAspect="1"/>
+          </p:cNvPicPr>
+          <p:nvPr/>
+        </p:nvPicPr>
+        <p:blipFill>
+          <a:blip r:embed="rId2"/>
+          <a:stretch>
+            <a:fillRect/>
+          </a:stretch>
+        </p:blipFill>
+        <p:spPr>
+          <a:xfrm>
+            <a:off x="1989574" y="1696253"/>
+            <a:ext cx="9102401" cy="4446974"/>
+          </a:xfrm>
+          <a:prstGeom prst="rect">
+            <a:avLst/>
+          </a:prstGeom>
+        </p:spPr>
+      </p:pic>
+    </p:spTree>
+    <p:extLst>
+      <p:ext uri="{BB962C8B-B14F-4D97-AF65-F5344CB8AC3E}">
+        <p14:creationId xmlns:p14="http://schemas.microsoft.com/office/powerpoint/2010/main" val="1679142660"/>
       </p:ext>
     </p:extLst>
   </p:cSld>
@@ -9767,7 +10382,7 @@
         <p:cNvPr id="1" name="">
           <a:extLst>
             <a:ext uri="{FF2B5EF4-FFF2-40B4-BE49-F238E27FC236}">
-              <a16:creationId xmlns:a16="http://schemas.microsoft.com/office/drawing/2014/main" id="{55271B0B-CFC8-8700-8E1D-3993D631CCEA}"/>
+              <a16:creationId xmlns:a16="http://schemas.microsoft.com/office/drawing/2014/main" id="{77989103-5BC5-1B13-F06D-A0D9B4685E2F}"/>
             </a:ext>
           </a:extLst>
         </p:cNvPr>
@@ -9787,7 +10402,7 @@
           <p:cNvPr id="2" name="Title 1">
             <a:extLst>
               <a:ext uri="{FF2B5EF4-FFF2-40B4-BE49-F238E27FC236}">
-                <a16:creationId xmlns:a16="http://schemas.microsoft.com/office/drawing/2014/main" id="{75A5CEE6-DD77-358D-46A1-A1603C904D5B}"/>
+                <a16:creationId xmlns:a16="http://schemas.microsoft.com/office/drawing/2014/main" id="{F6C274CC-ED1F-EE90-838B-1C5B65A439E8}"/>
               </a:ext>
             </a:extLst>
           </p:cNvPr>
@@ -9798,19 +10413,14 @@
             <p:ph type="title"/>
           </p:nvPr>
         </p:nvSpPr>
-        <p:spPr>
-          <a:xfrm>
-            <a:off x="906534" y="795528"/>
-            <a:ext cx="10241280" cy="1234440"/>
-          </a:xfrm>
-        </p:spPr>
+        <p:spPr/>
         <p:txBody>
           <a:bodyPr/>
           <a:lstStyle/>
           <a:p>
             <a:r>
               <a:rPr lang="en-US" dirty="0"/>
-              <a:t>Individual Contributions</a:t>
+              <a:t>User Profile</a:t>
             </a:r>
           </a:p>
         </p:txBody>
@@ -9820,7 +10430,7 @@
           <p:cNvPr id="3" name="Content Placeholder 2">
             <a:extLst>
               <a:ext uri="{FF2B5EF4-FFF2-40B4-BE49-F238E27FC236}">
-                <a16:creationId xmlns:a16="http://schemas.microsoft.com/office/drawing/2014/main" id="{98F686A2-11A7-06D3-F17E-03A465DD0F49}"/>
+                <a16:creationId xmlns:a16="http://schemas.microsoft.com/office/drawing/2014/main" id="{0FD81342-73EB-1779-BF49-6BF58D39425B}"/>
               </a:ext>
             </a:extLst>
           </p:cNvPr>
@@ -9833,7 +10443,7 @@
         </p:nvSpPr>
         <p:spPr>
           <a:xfrm>
-            <a:off x="954711" y="2720880"/>
+            <a:off x="975360" y="2079371"/>
             <a:ext cx="10116615" cy="3776596"/>
           </a:xfrm>
         </p:spPr>
@@ -9848,170 +10458,51 @@
               <a:buFont typeface="Arial" panose="020B0604020202020204" pitchFamily="34" charset="0"/>
               <a:buChar char="•"/>
             </a:pPr>
-            <a:r>
-              <a:rPr lang="en-US" sz="2400" dirty="0"/>
-              <a:t>Developed modular PHP code to connect buttons through pages</a:t>
-            </a:r>
+            <a:endParaRPr lang="en-US" dirty="0"/>
           </a:p>
           <a:p>
             <a:pPr marL="342900" indent="-342900">
               <a:buFont typeface="Arial" panose="020B0604020202020204" pitchFamily="34" charset="0"/>
               <a:buChar char="•"/>
             </a:pPr>
-            <a:r>
-              <a:rPr lang="en-US" sz="2400" dirty="0"/>
-              <a:t>Connected dummy database using XAMPP</a:t>
-            </a:r>
-          </a:p>
-          <a:p>
-            <a:pPr marL="342900" indent="-342900">
-              <a:buFont typeface="Arial" panose="020B0604020202020204" pitchFamily="34" charset="0"/>
-              <a:buChar char="•"/>
-            </a:pPr>
-            <a:r>
-              <a:rPr lang="en-US" sz="2400" dirty="0"/>
-              <a:t>Developed cart and purchase system</a:t>
-            </a:r>
-          </a:p>
-          <a:p>
-            <a:pPr marL="342900" indent="-342900">
-              <a:buFont typeface="Arial" panose="020B0604020202020204" pitchFamily="34" charset="0"/>
-              <a:buChar char="•"/>
-            </a:pPr>
-            <a:r>
-              <a:rPr lang="en-US" sz="2400" dirty="0"/>
-              <a:t>Developed database listings</a:t>
-            </a:r>
-          </a:p>
-          <a:p>
-            <a:pPr marL="342900" indent="-342900">
-              <a:buFont typeface="Arial" panose="020B0604020202020204" pitchFamily="34" charset="0"/>
-              <a:buChar char="•"/>
-            </a:pPr>
-            <a:r>
-              <a:rPr lang="en-US" sz="2400" dirty="0"/>
-              <a:t>Developed frontend interface</a:t>
-            </a:r>
-          </a:p>
-          <a:p>
-            <a:pPr marL="342900" indent="-342900">
-              <a:buFont typeface="Arial" panose="020B0604020202020204" pitchFamily="34" charset="0"/>
-              <a:buChar char="•"/>
-            </a:pPr>
-            <a:endParaRPr lang="en-US" sz="2400" dirty="0"/>
-          </a:p>
-          <a:p>
-            <a:pPr marL="342900" indent="-342900">
-              <a:buFont typeface="Arial" panose="020B0604020202020204" pitchFamily="34" charset="0"/>
-              <a:buChar char="•"/>
-            </a:pPr>
-            <a:endParaRPr lang="en-US" sz="2400" dirty="0"/>
-          </a:p>
-          <a:p>
-            <a:pPr marL="342900" indent="-342900">
-              <a:buFont typeface="Arial" panose="020B0604020202020204" pitchFamily="34" charset="0"/>
-              <a:buChar char="•"/>
-            </a:pPr>
-            <a:endParaRPr lang="en-US" sz="2400" dirty="0"/>
-          </a:p>
-          <a:p>
-            <a:pPr marL="342900" indent="-342900">
-              <a:buFont typeface="Arial" panose="020B0604020202020204" pitchFamily="34" charset="0"/>
-              <a:buChar char="•"/>
-            </a:pPr>
-            <a:endParaRPr lang="en-US" dirty="0"/>
-          </a:p>
-          <a:p>
-            <a:pPr marL="342900" indent="-342900">
-              <a:buFont typeface="Arial" panose="020B0604020202020204" pitchFamily="34" charset="0"/>
-              <a:buChar char="•"/>
-            </a:pPr>
-            <a:endParaRPr lang="en-US" dirty="0"/>
-          </a:p>
-          <a:p>
-            <a:pPr marL="342900" indent="-342900">
-              <a:buFont typeface="Arial" panose="020B0604020202020204" pitchFamily="34" charset="0"/>
-              <a:buChar char="•"/>
-            </a:pPr>
-            <a:endParaRPr lang="en-US" dirty="0"/>
-          </a:p>
-        </p:txBody>
-      </p:sp>
-      <p:sp>
-        <p:nvSpPr>
-          <p:cNvPr id="4" name="TextBox 3">
+            <a:endParaRPr lang="en-US" dirty="0"/>
+          </a:p>
+        </p:txBody>
+      </p:sp>
+      <p:pic>
+        <p:nvPicPr>
+          <p:cNvPr id="8" name="Picture 7" descr="A screenshot of a profile&#10;&#10;AI-generated content may be incorrect.">
             <a:extLst>
               <a:ext uri="{FF2B5EF4-FFF2-40B4-BE49-F238E27FC236}">
-                <a16:creationId xmlns:a16="http://schemas.microsoft.com/office/drawing/2014/main" id="{5CE4D4CC-1E2A-7C81-F4D2-0C201FEBEDBB}"/>
+                <a16:creationId xmlns:a16="http://schemas.microsoft.com/office/drawing/2014/main" id="{34FA464C-5D12-4C14-1F59-998FE478A5D0}"/>
               </a:ext>
             </a:extLst>
           </p:cNvPr>
-          <p:cNvSpPr txBox="1"/>
+          <p:cNvPicPr>
+            <a:picLocks noChangeAspect="1"/>
+          </p:cNvPicPr>
           <p:nvPr/>
-        </p:nvSpPr>
-        <p:spPr>
-          <a:xfrm>
-            <a:off x="5569974" y="3008671"/>
-            <a:ext cx="914400" cy="914400"/>
+        </p:nvPicPr>
+        <p:blipFill>
+          <a:blip r:embed="rId2"/>
+          <a:stretch>
+            <a:fillRect/>
+          </a:stretch>
+        </p:blipFill>
+        <p:spPr>
+          <a:xfrm>
+            <a:off x="1476438" y="1809463"/>
+            <a:ext cx="9740202" cy="4192633"/>
           </a:xfrm>
           <a:prstGeom prst="rect">
             <a:avLst/>
           </a:prstGeom>
-          <a:noFill/>
-        </p:spPr>
-        <p:txBody>
-          <a:bodyPr wrap="square" rtlCol="0">
-            <a:spAutoFit/>
-          </a:bodyPr>
-          <a:lstStyle/>
-          <a:p>
-            <a:endParaRPr lang="en-US" dirty="0"/>
-          </a:p>
-        </p:txBody>
-      </p:sp>
-      <p:sp>
-        <p:nvSpPr>
-          <p:cNvPr id="5" name="TextBox 4">
-            <a:extLst>
-              <a:ext uri="{FF2B5EF4-FFF2-40B4-BE49-F238E27FC236}">
-                <a16:creationId xmlns:a16="http://schemas.microsoft.com/office/drawing/2014/main" id="{28BAECF4-2157-6CB1-35F8-147F7F59E38F}"/>
-              </a:ext>
-            </a:extLst>
-          </p:cNvPr>
-          <p:cNvSpPr txBox="1"/>
-          <p:nvPr/>
-        </p:nvSpPr>
-        <p:spPr>
-          <a:xfrm>
-            <a:off x="954711" y="2102701"/>
-            <a:ext cx="10020260" cy="584775"/>
-          </a:xfrm>
-          <a:prstGeom prst="rect">
-            <a:avLst/>
-          </a:prstGeom>
-          <a:noFill/>
-        </p:spPr>
-        <p:txBody>
-          <a:bodyPr wrap="square" rtlCol="0">
-            <a:spAutoFit/>
-          </a:bodyPr>
-          <a:lstStyle/>
-          <a:p>
-            <a:r>
-              <a:rPr lang="en-US" sz="3200" dirty="0">
-                <a:highlight>
-                  <a:srgbClr val="800000"/>
-                </a:highlight>
-              </a:rPr>
-              <a:t>Todd Carter: Backend, Frontend, Presentations</a:t>
-            </a:r>
-          </a:p>
-        </p:txBody>
-      </p:sp>
+        </p:spPr>
+      </p:pic>
     </p:spTree>
     <p:extLst>
       <p:ext uri="{BB962C8B-B14F-4D97-AF65-F5344CB8AC3E}">
-        <p14:creationId xmlns:p14="http://schemas.microsoft.com/office/powerpoint/2010/main" val="1575724195"/>
+        <p14:creationId xmlns:p14="http://schemas.microsoft.com/office/powerpoint/2010/main" val="41323747"/>
       </p:ext>
     </p:extLst>
   </p:cSld>
@@ -10029,7 +10520,7 @@
         <p:cNvPr id="1" name="">
           <a:extLst>
             <a:ext uri="{FF2B5EF4-FFF2-40B4-BE49-F238E27FC236}">
-              <a16:creationId xmlns:a16="http://schemas.microsoft.com/office/drawing/2014/main" id="{221EDC09-73A5-5D3A-8216-CCE7DCC6DC24}"/>
+              <a16:creationId xmlns:a16="http://schemas.microsoft.com/office/drawing/2014/main" id="{4A0FA957-3B95-4FBE-7C86-89F68D69D419}"/>
             </a:ext>
           </a:extLst>
         </p:cNvPr>
@@ -10049,7 +10540,7 @@
           <p:cNvPr id="2" name="Title 1">
             <a:extLst>
               <a:ext uri="{FF2B5EF4-FFF2-40B4-BE49-F238E27FC236}">
-                <a16:creationId xmlns:a16="http://schemas.microsoft.com/office/drawing/2014/main" id="{EC9EBFF9-2052-43E6-4D9B-EFB75C5A8EAB}"/>
+                <a16:creationId xmlns:a16="http://schemas.microsoft.com/office/drawing/2014/main" id="{A297DC72-06AC-27B3-7693-7D8DC34EB245}"/>
               </a:ext>
             </a:extLst>
           </p:cNvPr>
@@ -10060,19 +10551,14 @@
             <p:ph type="title"/>
           </p:nvPr>
         </p:nvSpPr>
-        <p:spPr>
-          <a:xfrm>
-            <a:off x="906534" y="795528"/>
-            <a:ext cx="10241280" cy="1234440"/>
-          </a:xfrm>
-        </p:spPr>
+        <p:spPr/>
         <p:txBody>
           <a:bodyPr/>
           <a:lstStyle/>
           <a:p>
             <a:r>
               <a:rPr lang="en-US" dirty="0"/>
-              <a:t>Individual Contributions</a:t>
+              <a:t>Vendor Profile</a:t>
             </a:r>
           </a:p>
         </p:txBody>
@@ -10082,7 +10568,7 @@
           <p:cNvPr id="3" name="Content Placeholder 2">
             <a:extLst>
               <a:ext uri="{FF2B5EF4-FFF2-40B4-BE49-F238E27FC236}">
-                <a16:creationId xmlns:a16="http://schemas.microsoft.com/office/drawing/2014/main" id="{8267AD55-06DF-84BC-63A1-0345DCA58AD5}"/>
+                <a16:creationId xmlns:a16="http://schemas.microsoft.com/office/drawing/2014/main" id="{BFAE3C51-23BD-B445-1D60-4CF71B67E129}"/>
               </a:ext>
             </a:extLst>
           </p:cNvPr>
@@ -10095,7 +10581,7 @@
         </p:nvSpPr>
         <p:spPr>
           <a:xfrm>
-            <a:off x="954711" y="2720880"/>
+            <a:off x="975360" y="2079371"/>
             <a:ext cx="10116615" cy="3776596"/>
           </a:xfrm>
         </p:spPr>
@@ -10110,143 +10596,51 @@
               <a:buFont typeface="Arial" panose="020B0604020202020204" pitchFamily="34" charset="0"/>
               <a:buChar char="•"/>
             </a:pPr>
-            <a:r>
-              <a:rPr lang="en-US" sz="2400" dirty="0"/>
-              <a:t>Frontend layout</a:t>
-            </a:r>
+            <a:endParaRPr lang="en-US" dirty="0"/>
           </a:p>
           <a:p>
             <a:pPr marL="342900" indent="-342900">
               <a:buFont typeface="Arial" panose="020B0604020202020204" pitchFamily="34" charset="0"/>
               <a:buChar char="•"/>
             </a:pPr>
-            <a:r>
-              <a:rPr lang="en-US" sz="2400" dirty="0"/>
-              <a:t>Organize stylesheet and visual style of site</a:t>
-            </a:r>
-          </a:p>
-          <a:p>
-            <a:pPr marL="342900" indent="-342900">
-              <a:buFont typeface="Arial" panose="020B0604020202020204" pitchFamily="34" charset="0"/>
-              <a:buChar char="•"/>
-            </a:pPr>
-            <a:r>
-              <a:rPr lang="en-US" sz="2400" dirty="0"/>
-              <a:t>Update guiding flavor text</a:t>
-            </a:r>
-          </a:p>
-          <a:p>
-            <a:pPr marL="342900" indent="-342900">
-              <a:buFont typeface="Arial" panose="020B0604020202020204" pitchFamily="34" charset="0"/>
-              <a:buChar char="•"/>
-            </a:pPr>
-            <a:endParaRPr lang="en-US" sz="2400" dirty="0"/>
-          </a:p>
-          <a:p>
-            <a:pPr marL="342900" indent="-342900">
-              <a:buFont typeface="Arial" panose="020B0604020202020204" pitchFamily="34" charset="0"/>
-              <a:buChar char="•"/>
-            </a:pPr>
-            <a:endParaRPr lang="en-US" sz="2400" dirty="0"/>
-          </a:p>
-          <a:p>
-            <a:pPr marL="342900" indent="-342900">
-              <a:buFont typeface="Arial" panose="020B0604020202020204" pitchFamily="34" charset="0"/>
-              <a:buChar char="•"/>
-            </a:pPr>
-            <a:endParaRPr lang="en-US" dirty="0"/>
-          </a:p>
-          <a:p>
-            <a:pPr marL="342900" indent="-342900">
-              <a:buFont typeface="Arial" panose="020B0604020202020204" pitchFamily="34" charset="0"/>
-              <a:buChar char="•"/>
-            </a:pPr>
-            <a:endParaRPr lang="en-US" dirty="0"/>
-          </a:p>
-          <a:p>
-            <a:pPr marL="342900" indent="-342900">
-              <a:buFont typeface="Arial" panose="020B0604020202020204" pitchFamily="34" charset="0"/>
-              <a:buChar char="•"/>
-            </a:pPr>
-            <a:endParaRPr lang="en-US" dirty="0"/>
-          </a:p>
-        </p:txBody>
-      </p:sp>
-      <p:sp>
-        <p:nvSpPr>
-          <p:cNvPr id="4" name="TextBox 3">
+            <a:endParaRPr lang="en-US" dirty="0"/>
+          </a:p>
+        </p:txBody>
+      </p:sp>
+      <p:pic>
+        <p:nvPicPr>
+          <p:cNvPr id="5" name="Picture 4" descr="A screenshot of a social media profile&#10;&#10;AI-generated content may be incorrect.">
             <a:extLst>
               <a:ext uri="{FF2B5EF4-FFF2-40B4-BE49-F238E27FC236}">
-                <a16:creationId xmlns:a16="http://schemas.microsoft.com/office/drawing/2014/main" id="{615F6F78-7768-0AAC-208D-29DDC1E4CEA0}"/>
+                <a16:creationId xmlns:a16="http://schemas.microsoft.com/office/drawing/2014/main" id="{CBA8459D-6332-5052-7D1A-6C59677BCBFD}"/>
               </a:ext>
             </a:extLst>
           </p:cNvPr>
-          <p:cNvSpPr txBox="1"/>
+          <p:cNvPicPr>
+            <a:picLocks noChangeAspect="1"/>
+          </p:cNvPicPr>
           <p:nvPr/>
-        </p:nvSpPr>
-        <p:spPr>
-          <a:xfrm>
-            <a:off x="5569974" y="3008671"/>
-            <a:ext cx="914400" cy="914400"/>
+        </p:nvPicPr>
+        <p:blipFill>
+          <a:blip r:embed="rId2"/>
+          <a:stretch>
+            <a:fillRect/>
+          </a:stretch>
+        </p:blipFill>
+        <p:spPr>
+          <a:xfrm>
+            <a:off x="1316353" y="1741208"/>
+            <a:ext cx="9900287" cy="4321264"/>
           </a:xfrm>
           <a:prstGeom prst="rect">
             <a:avLst/>
           </a:prstGeom>
-          <a:noFill/>
-        </p:spPr>
-        <p:txBody>
-          <a:bodyPr wrap="square" rtlCol="0">
-            <a:spAutoFit/>
-          </a:bodyPr>
-          <a:lstStyle/>
-          <a:p>
-            <a:endParaRPr lang="en-US" dirty="0"/>
-          </a:p>
-        </p:txBody>
-      </p:sp>
-      <p:sp>
-        <p:nvSpPr>
-          <p:cNvPr id="5" name="TextBox 4">
-            <a:extLst>
-              <a:ext uri="{FF2B5EF4-FFF2-40B4-BE49-F238E27FC236}">
-                <a16:creationId xmlns:a16="http://schemas.microsoft.com/office/drawing/2014/main" id="{24F36C36-2BD7-59F8-2391-846950ECFD01}"/>
-              </a:ext>
-            </a:extLst>
-          </p:cNvPr>
-          <p:cNvSpPr txBox="1"/>
-          <p:nvPr/>
-        </p:nvSpPr>
-        <p:spPr>
-          <a:xfrm>
-            <a:off x="954711" y="2102701"/>
-            <a:ext cx="10020260" cy="584775"/>
-          </a:xfrm>
-          <a:prstGeom prst="rect">
-            <a:avLst/>
-          </a:prstGeom>
-          <a:noFill/>
-        </p:spPr>
-        <p:txBody>
-          <a:bodyPr wrap="square" rtlCol="0">
-            <a:spAutoFit/>
-          </a:bodyPr>
-          <a:lstStyle/>
-          <a:p>
-            <a:r>
-              <a:rPr lang="en-US" sz="3200" dirty="0">
-                <a:highlight>
-                  <a:srgbClr val="800000"/>
-                </a:highlight>
-              </a:rPr>
-              <a:t>Anna Milligan: Frontend</a:t>
-            </a:r>
-          </a:p>
-        </p:txBody>
-      </p:sp>
+        </p:spPr>
+      </p:pic>
     </p:spTree>
     <p:extLst>
       <p:ext uri="{BB962C8B-B14F-4D97-AF65-F5344CB8AC3E}">
-        <p14:creationId xmlns:p14="http://schemas.microsoft.com/office/powerpoint/2010/main" val="1251724933"/>
+        <p14:creationId xmlns:p14="http://schemas.microsoft.com/office/powerpoint/2010/main" val="1236108252"/>
       </p:ext>
     </p:extLst>
   </p:cSld>

--- a/Presentations/OpenPlaza - Phase 3.pptx
+++ b/Presentations/OpenPlaza - Phase 3.pptx
@@ -153,6 +153,27 @@
 </p188:authorLst>
 </file>
 
+<file path=ppt/changesInfos/changesInfo1.xml><?xml version="1.0" encoding="utf-8"?>
+<pc:chgInfo xmlns:a="http://schemas.openxmlformats.org/drawingml/2006/main" xmlns:r="http://schemas.openxmlformats.org/officeDocument/2006/relationships" xmlns:ac="http://schemas.microsoft.com/office/drawing/2013/main/command" xmlns:pc="http://schemas.microsoft.com/office/powerpoint/2013/main/command">
+  <pc:docChgLst>
+    <pc:chgData name="Anna Milligan" userId="71d62bc11ec1a38e" providerId="LiveId" clId="{A8EAF8E2-A6CA-4F85-8781-EDB88F09F9E5}"/>
+    <pc:docChg chg="modSld">
+      <pc:chgData name="Anna Milligan" userId="71d62bc11ec1a38e" providerId="LiveId" clId="{A8EAF8E2-A6CA-4F85-8781-EDB88F09F9E5}" dt="2025-04-22T21:01:14.875" v="1" actId="729"/>
+      <pc:docMkLst>
+        <pc:docMk/>
+      </pc:docMkLst>
+      <pc:sldChg chg="mod modShow">
+        <pc:chgData name="Anna Milligan" userId="71d62bc11ec1a38e" providerId="LiveId" clId="{A8EAF8E2-A6CA-4F85-8781-EDB88F09F9E5}" dt="2025-04-22T21:01:14.875" v="1" actId="729"/>
+        <pc:sldMkLst>
+          <pc:docMk/>
+          <pc:sldMk cId="487191499" sldId="336"/>
+        </pc:sldMkLst>
+      </pc:sldChg>
+    </pc:docChg>
+  </pc:docChgLst>
+</pc:chgInfo>
+</file>
+
 <file path=ppt/handoutMasters/handoutMaster1.xml><?xml version="1.0" encoding="utf-8"?>
 <p:handoutMaster xmlns:a="http://schemas.openxmlformats.org/drawingml/2006/main" xmlns:r="http://schemas.openxmlformats.org/officeDocument/2006/relationships" xmlns:p="http://schemas.openxmlformats.org/presentationml/2006/main">
   <p:cSld>
@@ -247,7 +268,7 @@
           <a:p>
             <a:fld id="{B149A72A-4651-45C7-9E42-35BFFD46D92F}" type="datetimeFigureOut">
               <a:rPr lang="en-US" smtClean="0"/>
-              <a:t>4/21/2025</a:t>
+              <a:t>4/22/2025</a:t>
             </a:fld>
             <a:endParaRPr lang="en-US" dirty="0"/>
           </a:p>
@@ -424,7 +445,7 @@
           <a:p>
             <a:fld id="{9D849352-39CB-486C-AEA5-5D17795DD0C7}" type="datetimeFigureOut">
               <a:rPr lang="en-US" smtClean="0"/>
-              <a:t>4/21/2025</a:t>
+              <a:t>4/22/2025</a:t>
             </a:fld>
             <a:endParaRPr lang="en-US" dirty="0"/>
           </a:p>
@@ -11511,6 +11532,15 @@
 </file>
 
 <file path=customXml/item1.xml><?xml version="1.0" encoding="utf-8"?>
+<?mso-contentType ?>
+<FormTemplates xmlns="http://schemas.microsoft.com/sharepoint/v3/contenttype/forms">
+  <Display>DocumentLibraryForm</Display>
+  <Edit>DocumentLibraryForm</Edit>
+  <New>DocumentLibraryForm</New>
+</FormTemplates>
+</file>
+
+<file path=customXml/item2.xml><?xml version="1.0" encoding="utf-8"?>
 <ct:contentTypeSchema xmlns:ct="http://schemas.microsoft.com/office/2006/metadata/contentType" xmlns:ma="http://schemas.microsoft.com/office/2006/metadata/properties/metaAttributes" ct:_="" ma:_="" ma:contentTypeName="Document" ma:contentTypeID="0x01010079F111ED35F8CC479449609E8A0923A6" ma:contentTypeVersion="28" ma:contentTypeDescription="Create a new document." ma:contentTypeScope="" ma:versionID="60f5a4f2d2b0abadcf532d48ebf9cb71">
   <xsd:schema xmlns:xsd="http://www.w3.org/2001/XMLSchema" xmlns:xs="http://www.w3.org/2001/XMLSchema" xmlns:p="http://schemas.microsoft.com/office/2006/metadata/properties" xmlns:ns1="http://schemas.microsoft.com/sharepoint/v3" xmlns:ns2="71af3243-3dd4-4a8d-8c0d-dd76da1f02a5" xmlns:ns3="16c05727-aa75-4e4a-9b5f-8a80a1165891" xmlns:ns4="230e9df3-be65-4c73-a93b-d1236ebd677e" targetNamespace="http://schemas.microsoft.com/office/2006/metadata/properties" ma:root="true" ma:fieldsID="7dd78129e6a1811f84807ad11c651531" ns1:_="" ns2:_="" ns3:_="" ns4:_="">
     <xsd:import namespace="http://schemas.microsoft.com/sharepoint/v3"/>
@@ -11822,15 +11852,6 @@
 </ct:contentTypeSchema>
 </file>
 
-<file path=customXml/item2.xml><?xml version="1.0" encoding="utf-8"?>
-<?mso-contentType ?>
-<FormTemplates xmlns="http://schemas.microsoft.com/sharepoint/v3/contenttype/forms">
-  <Display>DocumentLibraryForm</Display>
-  <Edit>DocumentLibraryForm</Edit>
-  <New>DocumentLibraryForm</New>
-</FormTemplates>
-</file>
-
 <file path=customXml/item3.xml><?xml version="1.0" encoding="utf-8"?>
 <p:properties xmlns:p="http://schemas.microsoft.com/office/2006/metadata/properties" xmlns:xsi="http://www.w3.org/2001/XMLSchema-instance" xmlns:pc="http://schemas.microsoft.com/office/infopath/2007/PartnerControls">
   <documentManagement>
@@ -11852,6 +11873,14 @@
 </file>
 
 <file path=customXml/itemProps1.xml><?xml version="1.0" encoding="utf-8"?>
+<ds:datastoreItem xmlns:ds="http://schemas.openxmlformats.org/officeDocument/2006/customXml" ds:itemID="{8CF92924-243E-4C73-8BD6-689D14A495F2}">
+  <ds:schemaRefs>
+    <ds:schemaRef ds:uri="http://schemas.microsoft.com/sharepoint/v3/contenttype/forms"/>
+  </ds:schemaRefs>
+</ds:datastoreItem>
+</file>
+
+<file path=customXml/itemProps2.xml><?xml version="1.0" encoding="utf-8"?>
 <ds:datastoreItem xmlns:ds="http://schemas.openxmlformats.org/officeDocument/2006/customXml" ds:itemID="{0D54F37A-6805-42D4-9FB4-3CFF01A7B973}">
   <ds:schemaRefs>
     <ds:schemaRef ds:uri="http://schemas.microsoft.com/office/2006/metadata/contentType"/>
@@ -11872,14 +11901,6 @@
 </ds:datastoreItem>
 </file>
 
-<file path=customXml/itemProps2.xml><?xml version="1.0" encoding="utf-8"?>
-<ds:datastoreItem xmlns:ds="http://schemas.openxmlformats.org/officeDocument/2006/customXml" ds:itemID="{8CF92924-243E-4C73-8BD6-689D14A495F2}">
-  <ds:schemaRefs>
-    <ds:schemaRef ds:uri="http://schemas.microsoft.com/sharepoint/v3/contenttype/forms"/>
-  </ds:schemaRefs>
-</ds:datastoreItem>
-</file>
-
 <file path=customXml/itemProps3.xml><?xml version="1.0" encoding="utf-8"?>
 <ds:datastoreItem xmlns:ds="http://schemas.openxmlformats.org/officeDocument/2006/customXml" ds:itemID="{51D389B5-45E8-4EA7-B5A7-604FF249CF70}">
   <ds:schemaRefs>
